--- a/imgs/architecture.pptx
+++ b/imgs/architecture.pptx
@@ -5,8 +5,10 @@
     <p:sldMasterId id="2147483648" r:id="rId1"/>
   </p:sldMasterIdLst>
   <p:sldIdLst>
-    <p:sldId id="257" r:id="rId2"/>
-    <p:sldId id="258" r:id="rId3"/>
+    <p:sldId id="258" r:id="rId2"/>
+    <p:sldId id="260" r:id="rId3"/>
+    <p:sldId id="257" r:id="rId4"/>
+    <p:sldId id="259" r:id="rId5"/>
   </p:sldIdLst>
   <p:sldSz cx="12192000" cy="6858000"/>
   <p:notesSz cx="6858000" cy="9144000"/>
@@ -244,7 +246,7 @@
           <a:p>
             <a:fld id="{2B13625B-3AE7-4F13-A11D-6E37265E9160}" type="datetimeFigureOut">
               <a:rPr lang="de-DE" smtClean="0"/>
-              <a:t>07.06.2016</a:t>
+              <a:t>08.06.2016</a:t>
             </a:fld>
             <a:endParaRPr lang="de-DE"/>
           </a:p>
@@ -414,7 +416,7 @@
           <a:p>
             <a:fld id="{2B13625B-3AE7-4F13-A11D-6E37265E9160}" type="datetimeFigureOut">
               <a:rPr lang="de-DE" smtClean="0"/>
-              <a:t>07.06.2016</a:t>
+              <a:t>08.06.2016</a:t>
             </a:fld>
             <a:endParaRPr lang="de-DE"/>
           </a:p>
@@ -594,7 +596,7 @@
           <a:p>
             <a:fld id="{2B13625B-3AE7-4F13-A11D-6E37265E9160}" type="datetimeFigureOut">
               <a:rPr lang="de-DE" smtClean="0"/>
-              <a:t>07.06.2016</a:t>
+              <a:t>08.06.2016</a:t>
             </a:fld>
             <a:endParaRPr lang="de-DE"/>
           </a:p>
@@ -764,7 +766,7 @@
           <a:p>
             <a:fld id="{2B13625B-3AE7-4F13-A11D-6E37265E9160}" type="datetimeFigureOut">
               <a:rPr lang="de-DE" smtClean="0"/>
-              <a:t>07.06.2016</a:t>
+              <a:t>08.06.2016</a:t>
             </a:fld>
             <a:endParaRPr lang="de-DE"/>
           </a:p>
@@ -1010,7 +1012,7 @@
           <a:p>
             <a:fld id="{2B13625B-3AE7-4F13-A11D-6E37265E9160}" type="datetimeFigureOut">
               <a:rPr lang="de-DE" smtClean="0"/>
-              <a:t>07.06.2016</a:t>
+              <a:t>08.06.2016</a:t>
             </a:fld>
             <a:endParaRPr lang="de-DE"/>
           </a:p>
@@ -1242,7 +1244,7 @@
           <a:p>
             <a:fld id="{2B13625B-3AE7-4F13-A11D-6E37265E9160}" type="datetimeFigureOut">
               <a:rPr lang="de-DE" smtClean="0"/>
-              <a:t>07.06.2016</a:t>
+              <a:t>08.06.2016</a:t>
             </a:fld>
             <a:endParaRPr lang="de-DE"/>
           </a:p>
@@ -1609,7 +1611,7 @@
           <a:p>
             <a:fld id="{2B13625B-3AE7-4F13-A11D-6E37265E9160}" type="datetimeFigureOut">
               <a:rPr lang="de-DE" smtClean="0"/>
-              <a:t>07.06.2016</a:t>
+              <a:t>08.06.2016</a:t>
             </a:fld>
             <a:endParaRPr lang="de-DE"/>
           </a:p>
@@ -1727,7 +1729,7 @@
           <a:p>
             <a:fld id="{2B13625B-3AE7-4F13-A11D-6E37265E9160}" type="datetimeFigureOut">
               <a:rPr lang="de-DE" smtClean="0"/>
-              <a:t>07.06.2016</a:t>
+              <a:t>08.06.2016</a:t>
             </a:fld>
             <a:endParaRPr lang="de-DE"/>
           </a:p>
@@ -1822,7 +1824,7 @@
           <a:p>
             <a:fld id="{2B13625B-3AE7-4F13-A11D-6E37265E9160}" type="datetimeFigureOut">
               <a:rPr lang="de-DE" smtClean="0"/>
-              <a:t>07.06.2016</a:t>
+              <a:t>08.06.2016</a:t>
             </a:fld>
             <a:endParaRPr lang="de-DE"/>
           </a:p>
@@ -2099,7 +2101,7 @@
           <a:p>
             <a:fld id="{2B13625B-3AE7-4F13-A11D-6E37265E9160}" type="datetimeFigureOut">
               <a:rPr lang="de-DE" smtClean="0"/>
-              <a:t>07.06.2016</a:t>
+              <a:t>08.06.2016</a:t>
             </a:fld>
             <a:endParaRPr lang="de-DE"/>
           </a:p>
@@ -2352,7 +2354,7 @@
           <a:p>
             <a:fld id="{2B13625B-3AE7-4F13-A11D-6E37265E9160}" type="datetimeFigureOut">
               <a:rPr lang="de-DE" smtClean="0"/>
-              <a:t>07.06.2016</a:t>
+              <a:t>08.06.2016</a:t>
             </a:fld>
             <a:endParaRPr lang="de-DE"/>
           </a:p>
@@ -2565,7 +2567,7 @@
           <a:p>
             <a:fld id="{2B13625B-3AE7-4F13-A11D-6E37265E9160}" type="datetimeFigureOut">
               <a:rPr lang="de-DE" smtClean="0"/>
-              <a:t>07.06.2016</a:t>
+              <a:t>08.06.2016</a:t>
             </a:fld>
             <a:endParaRPr lang="de-DE"/>
           </a:p>
@@ -2954,6 +2956,4235 @@
 </file>
 
 <file path=ppt/slides/slide1.xml><?xml version="1.0" encoding="utf-8"?>
+<p:sld xmlns:a="http://schemas.openxmlformats.org/drawingml/2006/main" xmlns:r="http://schemas.openxmlformats.org/officeDocument/2006/relationships" xmlns:p="http://schemas.openxmlformats.org/presentationml/2006/main">
+  <p:cSld>
+    <p:spTree>
+      <p:nvGrpSpPr>
+        <p:cNvPr id="1" name=""/>
+        <p:cNvGrpSpPr/>
+        <p:nvPr/>
+      </p:nvGrpSpPr>
+      <p:grpSpPr>
+        <a:xfrm>
+          <a:off x="0" y="0"/>
+          <a:ext cx="0" cy="0"/>
+          <a:chOff x="0" y="0"/>
+          <a:chExt cx="0" cy="0"/>
+        </a:xfrm>
+      </p:grpSpPr>
+      <p:pic>
+        <p:nvPicPr>
+          <p:cNvPr id="3" name="Picture 2"/>
+          <p:cNvPicPr>
+            <a:picLocks noChangeAspect="1"/>
+          </p:cNvPicPr>
+          <p:nvPr/>
+        </p:nvPicPr>
+        <p:blipFill rotWithShape="1">
+          <a:blip r:embed="rId2">
+            <a:extLst>
+              <a:ext uri="{28A0092B-C50C-407E-A947-70E740481C1C}">
+                <a14:useLocalDpi xmlns:a14="http://schemas.microsoft.com/office/drawing/2010/main" val="0"/>
+              </a:ext>
+            </a:extLst>
+          </a:blip>
+          <a:srcRect b="13203"/>
+          <a:stretch/>
+        </p:blipFill>
+        <p:spPr>
+          <a:xfrm>
+            <a:off x="0" y="0"/>
+            <a:ext cx="12258136" cy="6858000"/>
+          </a:xfrm>
+          <a:prstGeom prst="rect">
+            <a:avLst/>
+          </a:prstGeom>
+        </p:spPr>
+      </p:pic>
+      <p:pic>
+        <p:nvPicPr>
+          <p:cNvPr id="4" name="Picture 3"/>
+          <p:cNvPicPr>
+            <a:picLocks noChangeAspect="1"/>
+          </p:cNvPicPr>
+          <p:nvPr/>
+        </p:nvPicPr>
+        <p:blipFill>
+          <a:blip r:embed="rId3">
+            <a:extLst>
+              <a:ext uri="{BEBA8EAE-BF5A-486C-A8C5-ECC9F3942E4B}">
+                <a14:imgProps xmlns:a14="http://schemas.microsoft.com/office/drawing/2010/main">
+                  <a14:imgLayer r:embed="rId4">
+                    <a14:imgEffect>
+                      <a14:backgroundRemoval t="5600" b="89867" l="6107" r="91985">
+                        <a14:foregroundMark x1="21565" y1="21067" x2="26527" y2="23733"/>
+                        <a14:foregroundMark x1="22710" y1="26400" x2="22710" y2="26400"/>
+                        <a14:foregroundMark x1="29008" y1="21067" x2="29008" y2="21067"/>
+                        <a14:foregroundMark x1="31489" y1="27200" x2="31489" y2="27200"/>
+                        <a14:foregroundMark x1="44084" y1="45600" x2="44084" y2="45600"/>
+                        <a14:foregroundMark x1="44656" y1="45333" x2="50954" y2="45600"/>
+                        <a14:foregroundMark x1="21756" y1="18933" x2="21183" y2="30933"/>
+                        <a14:foregroundMark x1="22710" y1="31200" x2="24237" y2="31733"/>
+                        <a14:foregroundMark x1="23282" y1="25333" x2="23282" y2="24800"/>
+                        <a14:backgroundMark x1="28626" y1="65600" x2="28626" y2="65600"/>
+                        <a14:backgroundMark x1="24237" y1="62667" x2="24237" y2="62667"/>
+                        <a14:backgroundMark x1="14122" y1="65600" x2="23855" y2="74133"/>
+                        <a14:backgroundMark x1="15649" y1="63200" x2="54771" y2="61600"/>
+                        <a14:backgroundMark x1="61450" y1="61867" x2="70229" y2="76000"/>
+                      </a14:backgroundRemoval>
+                    </a14:imgEffect>
+                  </a14:imgLayer>
+                </a14:imgProps>
+              </a:ext>
+              <a:ext uri="{28A0092B-C50C-407E-A947-70E740481C1C}">
+                <a14:useLocalDpi xmlns:a14="http://schemas.microsoft.com/office/drawing/2010/main" val="0"/>
+              </a:ext>
+            </a:extLst>
+          </a:blip>
+          <a:stretch>
+            <a:fillRect/>
+          </a:stretch>
+        </p:blipFill>
+        <p:spPr>
+          <a:xfrm rot="1629671">
+            <a:off x="1839313" y="5149298"/>
+            <a:ext cx="3402669" cy="2435117"/>
+          </a:xfrm>
+          <a:prstGeom prst="rect">
+            <a:avLst/>
+          </a:prstGeom>
+          <a:effectLst>
+            <a:outerShdw blurRad="101600" dist="50800" dir="5400000" sx="101000" sy="101000" algn="ctr" rotWithShape="0">
+              <a:srgbClr val="000000">
+                <a:alpha val="74000"/>
+              </a:srgbClr>
+            </a:outerShdw>
+          </a:effectLst>
+        </p:spPr>
+      </p:pic>
+      <p:pic>
+        <p:nvPicPr>
+          <p:cNvPr id="1026" name="Picture 2" descr="https://67.media.tumblr.com/875af050653b3dcedaccaa56d9e57669/tumblr_nhtw1pfM2L1s2wio8o1_500.gif"/>
+          <p:cNvPicPr>
+            <a:picLocks noChangeAspect="1" noChangeArrowheads="1" noCrop="1"/>
+          </p:cNvPicPr>
+          <p:nvPr/>
+        </p:nvPicPr>
+        <p:blipFill>
+          <a:blip r:embed="rId5">
+            <a:extLst>
+              <a:ext uri="{28A0092B-C50C-407E-A947-70E740481C1C}">
+                <a14:useLocalDpi xmlns:a14="http://schemas.microsoft.com/office/drawing/2010/main" val="0"/>
+              </a:ext>
+            </a:extLst>
+          </a:blip>
+          <a:srcRect/>
+          <a:stretch>
+            <a:fillRect/>
+          </a:stretch>
+        </p:blipFill>
+        <p:spPr bwMode="auto">
+          <a:xfrm flipH="1">
+            <a:off x="8201025" y="3762375"/>
+            <a:ext cx="4127500" cy="3095625"/>
+          </a:xfrm>
+          <a:prstGeom prst="rect">
+            <a:avLst/>
+          </a:prstGeom>
+          <a:noFill/>
+          <a:extLst>
+            <a:ext uri="{909E8E84-426E-40DD-AFC4-6F175D3DCCD1}">
+              <a14:hiddenFill xmlns:a14="http://schemas.microsoft.com/office/drawing/2010/main">
+                <a:solidFill>
+                  <a:srgbClr val="FFFFFF"/>
+                </a:solidFill>
+              </a14:hiddenFill>
+            </a:ext>
+          </a:extLst>
+        </p:spPr>
+      </p:pic>
+      <p:sp>
+        <p:nvSpPr>
+          <p:cNvPr id="2" name="TextBox 1"/>
+          <p:cNvSpPr txBox="1"/>
+          <p:nvPr/>
+        </p:nvSpPr>
+        <p:spPr>
+          <a:xfrm>
+            <a:off x="3419474" y="773192"/>
+            <a:ext cx="6334125" cy="1107996"/>
+          </a:xfrm>
+          <a:prstGeom prst="rect">
+            <a:avLst/>
+          </a:prstGeom>
+          <a:noFill/>
+        </p:spPr>
+        <p:txBody>
+          <a:bodyPr wrap="square" rtlCol="0">
+            <a:spAutoFit/>
+          </a:bodyPr>
+          <a:lstStyle/>
+          <a:p>
+            <a:r>
+              <a:rPr lang="en-US" sz="6600" dirty="0">
+                <a:solidFill>
+                  <a:schemeClr val="bg1"/>
+                </a:solidFill>
+              </a:rPr>
+              <a:t>The </a:t>
+            </a:r>
+            <a:r>
+              <a:rPr lang="en-US" sz="6600" dirty="0" err="1">
+                <a:solidFill>
+                  <a:schemeClr val="bg1"/>
+                </a:solidFill>
+              </a:rPr>
+              <a:t>RoadRunners</a:t>
+            </a:r>
+            <a:endParaRPr lang="de-DE" sz="6600" dirty="0">
+              <a:solidFill>
+                <a:schemeClr val="bg1"/>
+              </a:solidFill>
+            </a:endParaRPr>
+          </a:p>
+        </p:txBody>
+      </p:sp>
+      <p:sp>
+        <p:nvSpPr>
+          <p:cNvPr id="5" name="Rectangle 4"/>
+          <p:cNvSpPr/>
+          <p:nvPr/>
+        </p:nvSpPr>
+        <p:spPr>
+          <a:xfrm>
+            <a:off x="6398711" y="120134"/>
+            <a:ext cx="5859425" cy="369332"/>
+          </a:xfrm>
+          <a:prstGeom prst="rect">
+            <a:avLst/>
+          </a:prstGeom>
+        </p:spPr>
+        <p:txBody>
+          <a:bodyPr wrap="none">
+            <a:spAutoFit/>
+          </a:bodyPr>
+          <a:lstStyle/>
+          <a:p>
+            <a:r>
+              <a:rPr lang="de-DE" dirty="0"/>
+              <a:t>https://github.com/theroadrunners/ServiceFabricHackathon</a:t>
+            </a:r>
+          </a:p>
+        </p:txBody>
+      </p:sp>
+      <p:grpSp>
+        <p:nvGrpSpPr>
+          <p:cNvPr id="7" name="Group 6"/>
+          <p:cNvGrpSpPr/>
+          <p:nvPr/>
+        </p:nvGrpSpPr>
+        <p:grpSpPr>
+          <a:xfrm>
+            <a:off x="9237915" y="2190217"/>
+            <a:ext cx="2032859" cy="1406106"/>
+            <a:chOff x="4319809" y="2200428"/>
+            <a:chExt cx="3552381" cy="2457143"/>
+          </a:xfrm>
+        </p:grpSpPr>
+        <p:pic>
+          <p:nvPicPr>
+            <p:cNvPr id="8" name="Picture 7"/>
+            <p:cNvPicPr>
+              <a:picLocks noChangeAspect="1"/>
+            </p:cNvPicPr>
+            <p:nvPr/>
+          </p:nvPicPr>
+          <p:blipFill>
+            <a:blip r:embed="rId6"/>
+            <a:stretch>
+              <a:fillRect/>
+            </a:stretch>
+          </p:blipFill>
+          <p:spPr>
+            <a:xfrm>
+              <a:off x="4319809" y="2200428"/>
+              <a:ext cx="3552381" cy="2457143"/>
+            </a:xfrm>
+            <a:prstGeom prst="rect">
+              <a:avLst/>
+            </a:prstGeom>
+          </p:spPr>
+        </p:pic>
+        <p:pic>
+          <p:nvPicPr>
+            <p:cNvPr id="9" name="Picture 8"/>
+            <p:cNvPicPr>
+              <a:picLocks noChangeAspect="1"/>
+            </p:cNvPicPr>
+            <p:nvPr/>
+          </p:nvPicPr>
+          <p:blipFill>
+            <a:blip r:embed="rId7">
+              <a:extLst>
+                <a:ext uri="{28A0092B-C50C-407E-A947-70E740481C1C}">
+                  <a14:useLocalDpi xmlns:a14="http://schemas.microsoft.com/office/drawing/2010/main" val="0"/>
+                </a:ext>
+              </a:extLst>
+            </a:blip>
+            <a:stretch>
+              <a:fillRect/>
+            </a:stretch>
+          </p:blipFill>
+          <p:spPr>
+            <a:xfrm>
+              <a:off x="7015579" y="3752542"/>
+              <a:ext cx="339436" cy="219229"/>
+            </a:xfrm>
+            <a:prstGeom prst="rect">
+              <a:avLst/>
+            </a:prstGeom>
+          </p:spPr>
+        </p:pic>
+        <p:pic>
+          <p:nvPicPr>
+            <p:cNvPr id="10" name="Picture 9"/>
+            <p:cNvPicPr>
+              <a:picLocks noChangeAspect="1"/>
+            </p:cNvPicPr>
+            <p:nvPr/>
+          </p:nvPicPr>
+          <p:blipFill>
+            <a:blip r:embed="rId8">
+              <a:extLst>
+                <a:ext uri="{28A0092B-C50C-407E-A947-70E740481C1C}">
+                  <a14:useLocalDpi xmlns:a14="http://schemas.microsoft.com/office/drawing/2010/main" val="0"/>
+                </a:ext>
+              </a:extLst>
+            </a:blip>
+            <a:stretch>
+              <a:fillRect/>
+            </a:stretch>
+          </p:blipFill>
+          <p:spPr>
+            <a:xfrm>
+              <a:off x="4797946" y="3752542"/>
+              <a:ext cx="365381" cy="219229"/>
+            </a:xfrm>
+            <a:prstGeom prst="rect">
+              <a:avLst/>
+            </a:prstGeom>
+          </p:spPr>
+        </p:pic>
+        <p:pic>
+          <p:nvPicPr>
+            <p:cNvPr id="11" name="Picture 10"/>
+            <p:cNvPicPr>
+              <a:picLocks noChangeAspect="1"/>
+            </p:cNvPicPr>
+            <p:nvPr/>
+          </p:nvPicPr>
+          <p:blipFill>
+            <a:blip r:embed="rId8">
+              <a:extLst>
+                <a:ext uri="{28A0092B-C50C-407E-A947-70E740481C1C}">
+                  <a14:useLocalDpi xmlns:a14="http://schemas.microsoft.com/office/drawing/2010/main" val="0"/>
+                </a:ext>
+              </a:extLst>
+            </a:blip>
+            <a:stretch>
+              <a:fillRect/>
+            </a:stretch>
+          </p:blipFill>
+          <p:spPr>
+            <a:xfrm>
+              <a:off x="6252304" y="3766752"/>
+              <a:ext cx="365381" cy="219229"/>
+            </a:xfrm>
+            <a:prstGeom prst="rect">
+              <a:avLst/>
+            </a:prstGeom>
+          </p:spPr>
+        </p:pic>
+        <p:pic>
+          <p:nvPicPr>
+            <p:cNvPr id="12" name="Picture 11"/>
+            <p:cNvPicPr>
+              <a:picLocks noChangeAspect="1"/>
+            </p:cNvPicPr>
+            <p:nvPr/>
+          </p:nvPicPr>
+          <p:blipFill>
+            <a:blip r:embed="rId7">
+              <a:extLst>
+                <a:ext uri="{28A0092B-C50C-407E-A947-70E740481C1C}">
+                  <a14:useLocalDpi xmlns:a14="http://schemas.microsoft.com/office/drawing/2010/main" val="0"/>
+                </a:ext>
+              </a:extLst>
+            </a:blip>
+            <a:stretch>
+              <a:fillRect/>
+            </a:stretch>
+          </p:blipFill>
+          <p:spPr>
+            <a:xfrm>
+              <a:off x="5514975" y="3752542"/>
+              <a:ext cx="339436" cy="219229"/>
+            </a:xfrm>
+            <a:prstGeom prst="rect">
+              <a:avLst/>
+            </a:prstGeom>
+          </p:spPr>
+        </p:pic>
+      </p:grpSp>
+    </p:spTree>
+    <p:extLst>
+      <p:ext uri="{BB962C8B-B14F-4D97-AF65-F5344CB8AC3E}">
+        <p14:creationId xmlns:p14="http://schemas.microsoft.com/office/powerpoint/2010/main" val="2004971083"/>
+      </p:ext>
+    </p:extLst>
+  </p:cSld>
+  <p:clrMapOvr>
+    <a:masterClrMapping/>
+  </p:clrMapOvr>
+</p:sld>
+</file>
+
+<file path=ppt/slides/slide2.xml><?xml version="1.0" encoding="utf-8"?>
+<p:sld xmlns:a="http://schemas.openxmlformats.org/drawingml/2006/main" xmlns:r="http://schemas.openxmlformats.org/officeDocument/2006/relationships" xmlns:p="http://schemas.openxmlformats.org/presentationml/2006/main">
+  <p:cSld>
+    <p:spTree>
+      <p:nvGrpSpPr>
+        <p:cNvPr id="1" name=""/>
+        <p:cNvGrpSpPr/>
+        <p:nvPr/>
+      </p:nvGrpSpPr>
+      <p:grpSpPr>
+        <a:xfrm>
+          <a:off x="0" y="0"/>
+          <a:ext cx="0" cy="0"/>
+          <a:chOff x="0" y="0"/>
+          <a:chExt cx="0" cy="0"/>
+        </a:xfrm>
+      </p:grpSpPr>
+      <p:sp>
+        <p:nvSpPr>
+          <p:cNvPr id="2" name="Title 1"/>
+          <p:cNvSpPr>
+            <a:spLocks noGrp="1"/>
+          </p:cNvSpPr>
+          <p:nvPr>
+            <p:ph type="title"/>
+          </p:nvPr>
+        </p:nvSpPr>
+        <p:spPr/>
+        <p:txBody>
+          <a:bodyPr/>
+          <a:lstStyle/>
+          <a:p>
+            <a:r>
+              <a:rPr lang="en-US" dirty="0"/>
+              <a:t>Scenario</a:t>
+            </a:r>
+            <a:endParaRPr lang="de-DE" dirty="0"/>
+          </a:p>
+        </p:txBody>
+      </p:sp>
+      <p:sp>
+        <p:nvSpPr>
+          <p:cNvPr id="3" name="Content Placeholder 2"/>
+          <p:cNvSpPr>
+            <a:spLocks noGrp="1"/>
+          </p:cNvSpPr>
+          <p:nvPr>
+            <p:ph idx="1"/>
+          </p:nvPr>
+        </p:nvSpPr>
+        <p:spPr/>
+        <p:txBody>
+          <a:bodyPr/>
+          <a:lstStyle/>
+          <a:p>
+            <a:pPr marL="285750" indent="-285750"/>
+            <a:r>
+              <a:rPr lang="en-US" dirty="0"/>
+              <a:t>Dutch highways have traffic control bridges</a:t>
+            </a:r>
+          </a:p>
+          <a:p>
+            <a:pPr marL="285750" indent="-285750"/>
+            <a:r>
+              <a:rPr lang="en-US" dirty="0"/>
+              <a:t>Car entering measurement section </a:t>
+            </a:r>
+            <a:r>
+              <a:rPr lang="en-US" dirty="0">
+                <a:sym typeface="Wingdings" panose="05000000000000000000" pitchFamily="2" charset="2"/>
+              </a:rPr>
+              <a:t></a:t>
+            </a:r>
+            <a:r>
+              <a:rPr lang="en-US" dirty="0"/>
+              <a:t> triggers “start” event</a:t>
+            </a:r>
+          </a:p>
+          <a:p>
+            <a:pPr marL="285750" indent="-285750"/>
+            <a:r>
+              <a:rPr lang="en-US" dirty="0"/>
+              <a:t>Car leaving section </a:t>
+            </a:r>
+            <a:r>
+              <a:rPr lang="en-US" dirty="0">
+                <a:sym typeface="Wingdings" panose="05000000000000000000" pitchFamily="2" charset="2"/>
+              </a:rPr>
+              <a:t> </a:t>
+            </a:r>
+            <a:r>
+              <a:rPr lang="en-US" dirty="0"/>
+              <a:t>triggers “end” event, average speed is calculated</a:t>
+            </a:r>
+          </a:p>
+          <a:p>
+            <a:pPr marL="285750" indent="-285750"/>
+            <a:r>
+              <a:rPr lang="en-US" dirty="0"/>
+              <a:t>Speed violations stored in </a:t>
+            </a:r>
+            <a:r>
+              <a:rPr lang="en-US" dirty="0" err="1"/>
+              <a:t>longterm</a:t>
+            </a:r>
+            <a:r>
+              <a:rPr lang="en-US" dirty="0"/>
+              <a:t>-storage, tickets sent, money collected</a:t>
+            </a:r>
+            <a:endParaRPr lang="de-DE" dirty="0"/>
+          </a:p>
+          <a:p>
+            <a:pPr marL="0" indent="0">
+              <a:buNone/>
+            </a:pPr>
+            <a:endParaRPr lang="de-DE" dirty="0"/>
+          </a:p>
+        </p:txBody>
+      </p:sp>
+    </p:spTree>
+    <p:extLst>
+      <p:ext uri="{BB962C8B-B14F-4D97-AF65-F5344CB8AC3E}">
+        <p14:creationId xmlns:p14="http://schemas.microsoft.com/office/powerpoint/2010/main" val="2248307913"/>
+      </p:ext>
+    </p:extLst>
+  </p:cSld>
+  <p:clrMapOvr>
+    <a:masterClrMapping/>
+  </p:clrMapOvr>
+</p:sld>
+</file>
+
+<file path=ppt/slides/slide3.xml><?xml version="1.0" encoding="utf-8"?>
+<p:sld xmlns:a="http://schemas.openxmlformats.org/drawingml/2006/main" xmlns:r="http://schemas.openxmlformats.org/officeDocument/2006/relationships" xmlns:p="http://schemas.openxmlformats.org/presentationml/2006/main">
+  <p:cSld>
+    <p:spTree>
+      <p:nvGrpSpPr>
+        <p:cNvPr id="1" name=""/>
+        <p:cNvGrpSpPr/>
+        <p:nvPr/>
+      </p:nvGrpSpPr>
+      <p:grpSpPr>
+        <a:xfrm>
+          <a:off x="0" y="0"/>
+          <a:ext cx="0" cy="0"/>
+          <a:chOff x="0" y="0"/>
+          <a:chExt cx="0" cy="0"/>
+        </a:xfrm>
+      </p:grpSpPr>
+      <p:grpSp>
+        <p:nvGrpSpPr>
+          <p:cNvPr id="107" name="Group 106"/>
+          <p:cNvGrpSpPr/>
+          <p:nvPr/>
+        </p:nvGrpSpPr>
+        <p:grpSpPr>
+          <a:xfrm>
+            <a:off x="4807480" y="2064237"/>
+            <a:ext cx="3129785" cy="2792362"/>
+            <a:chOff x="5723680" y="2784807"/>
+            <a:chExt cx="4513716" cy="4027095"/>
+          </a:xfrm>
+        </p:grpSpPr>
+        <p:sp>
+          <p:nvSpPr>
+            <p:cNvPr id="100" name="Rectangle 99"/>
+            <p:cNvSpPr/>
+            <p:nvPr/>
+          </p:nvSpPr>
+          <p:spPr>
+            <a:xfrm>
+              <a:off x="5723680" y="2784807"/>
+              <a:ext cx="4513716" cy="4027095"/>
+            </a:xfrm>
+            <a:prstGeom prst="rect">
+              <a:avLst/>
+            </a:prstGeom>
+            <a:solidFill>
+              <a:srgbClr val="D7D7D7"/>
+            </a:solidFill>
+            <a:ln w="38100">
+              <a:solidFill>
+                <a:srgbClr val="3398DB"/>
+              </a:solidFill>
+              <a:miter lim="800000"/>
+              <a:headEnd/>
+              <a:tailEnd/>
+            </a:ln>
+          </p:spPr>
+          <p:txBody>
+            <a:bodyPr vert="horz" wrap="square" lIns="91440" tIns="45720" rIns="91440" bIns="45720" numCol="1" anchor="b" anchorCtr="0" compatLnSpc="1">
+              <a:prstTxWarp prst="textNoShape">
+                <a:avLst/>
+              </a:prstTxWarp>
+            </a:bodyPr>
+            <a:lstStyle/>
+            <a:p>
+              <a:pPr algn="ctr"/>
+              <a:r>
+                <a:rPr lang="en-US" sz="1200" dirty="0">
+                  <a:solidFill>
+                    <a:schemeClr val="tx1"/>
+                  </a:solidFill>
+                </a:rPr>
+                <a:t>Service Fabric</a:t>
+              </a:r>
+              <a:endParaRPr lang="de-DE" sz="1200" dirty="0">
+                <a:solidFill>
+                  <a:schemeClr val="tx1"/>
+                </a:solidFill>
+              </a:endParaRPr>
+            </a:p>
+          </p:txBody>
+        </p:sp>
+        <p:sp>
+          <p:nvSpPr>
+            <p:cNvPr id="106" name="Freeform 5"/>
+            <p:cNvSpPr>
+              <a:spLocks noEditPoints="1"/>
+            </p:cNvSpPr>
+            <p:nvPr/>
+          </p:nvSpPr>
+          <p:spPr bwMode="auto">
+            <a:xfrm>
+              <a:off x="6019473" y="2902767"/>
+              <a:ext cx="805895" cy="804313"/>
+            </a:xfrm>
+            <a:custGeom>
+              <a:avLst/>
+              <a:gdLst>
+                <a:gd name="T0" fmla="*/ 638 w 638"/>
+                <a:gd name="T1" fmla="*/ 270 h 639"/>
+                <a:gd name="T2" fmla="*/ 539 w 638"/>
+                <a:gd name="T3" fmla="*/ 170 h 639"/>
+                <a:gd name="T4" fmla="*/ 483 w 638"/>
+                <a:gd name="T5" fmla="*/ 187 h 639"/>
+                <a:gd name="T6" fmla="*/ 414 w 638"/>
+                <a:gd name="T7" fmla="*/ 129 h 639"/>
+                <a:gd name="T8" fmla="*/ 419 w 638"/>
+                <a:gd name="T9" fmla="*/ 100 h 639"/>
+                <a:gd name="T10" fmla="*/ 319 w 638"/>
+                <a:gd name="T11" fmla="*/ 0 h 639"/>
+                <a:gd name="T12" fmla="*/ 219 w 638"/>
+                <a:gd name="T13" fmla="*/ 100 h 639"/>
+                <a:gd name="T14" fmla="*/ 224 w 638"/>
+                <a:gd name="T15" fmla="*/ 129 h 639"/>
+                <a:gd name="T16" fmla="*/ 149 w 638"/>
+                <a:gd name="T17" fmla="*/ 191 h 639"/>
+                <a:gd name="T18" fmla="*/ 100 w 638"/>
+                <a:gd name="T19" fmla="*/ 180 h 639"/>
+                <a:gd name="T20" fmla="*/ 0 w 638"/>
+                <a:gd name="T21" fmla="*/ 270 h 639"/>
+                <a:gd name="T22" fmla="*/ 82 w 638"/>
+                <a:gd name="T23" fmla="*/ 368 h 639"/>
+                <a:gd name="T24" fmla="*/ 109 w 638"/>
+                <a:gd name="T25" fmla="*/ 464 h 639"/>
+                <a:gd name="T26" fmla="*/ 75 w 638"/>
+                <a:gd name="T27" fmla="*/ 539 h 639"/>
+                <a:gd name="T28" fmla="*/ 174 w 638"/>
+                <a:gd name="T29" fmla="*/ 639 h 639"/>
+                <a:gd name="T30" fmla="*/ 268 w 638"/>
+                <a:gd name="T31" fmla="*/ 574 h 639"/>
+                <a:gd name="T32" fmla="*/ 370 w 638"/>
+                <a:gd name="T33" fmla="*/ 574 h 639"/>
+                <a:gd name="T34" fmla="*/ 464 w 638"/>
+                <a:gd name="T35" fmla="*/ 639 h 639"/>
+                <a:gd name="T36" fmla="*/ 564 w 638"/>
+                <a:gd name="T37" fmla="*/ 539 h 639"/>
+                <a:gd name="T38" fmla="*/ 527 w 638"/>
+                <a:gd name="T39" fmla="*/ 462 h 639"/>
+                <a:gd name="T40" fmla="*/ 554 w 638"/>
+                <a:gd name="T41" fmla="*/ 368 h 639"/>
+                <a:gd name="T42" fmla="*/ 638 w 638"/>
+                <a:gd name="T43" fmla="*/ 270 h 639"/>
+                <a:gd name="T44" fmla="*/ 464 w 638"/>
+                <a:gd name="T45" fmla="*/ 439 h 639"/>
+                <a:gd name="T46" fmla="*/ 366 w 638"/>
+                <a:gd name="T47" fmla="*/ 519 h 639"/>
+                <a:gd name="T48" fmla="*/ 272 w 638"/>
+                <a:gd name="T49" fmla="*/ 519 h 639"/>
+                <a:gd name="T50" fmla="*/ 174 w 638"/>
+                <a:gd name="T51" fmla="*/ 439 h 639"/>
+                <a:gd name="T52" fmla="*/ 159 w 638"/>
+                <a:gd name="T53" fmla="*/ 441 h 639"/>
+                <a:gd name="T54" fmla="*/ 137 w 638"/>
+                <a:gd name="T55" fmla="*/ 362 h 639"/>
+                <a:gd name="T56" fmla="*/ 199 w 638"/>
+                <a:gd name="T57" fmla="*/ 270 h 639"/>
+                <a:gd name="T58" fmla="*/ 190 w 638"/>
+                <a:gd name="T59" fmla="*/ 229 h 639"/>
+                <a:gd name="T60" fmla="*/ 254 w 638"/>
+                <a:gd name="T61" fmla="*/ 176 h 639"/>
+                <a:gd name="T62" fmla="*/ 319 w 638"/>
+                <a:gd name="T63" fmla="*/ 200 h 639"/>
+                <a:gd name="T64" fmla="*/ 384 w 638"/>
+                <a:gd name="T65" fmla="*/ 176 h 639"/>
+                <a:gd name="T66" fmla="*/ 448 w 638"/>
+                <a:gd name="T67" fmla="*/ 228 h 639"/>
+                <a:gd name="T68" fmla="*/ 439 w 638"/>
+                <a:gd name="T69" fmla="*/ 270 h 639"/>
+                <a:gd name="T70" fmla="*/ 499 w 638"/>
+                <a:gd name="T71" fmla="*/ 361 h 639"/>
+                <a:gd name="T72" fmla="*/ 476 w 638"/>
+                <a:gd name="T73" fmla="*/ 440 h 639"/>
+                <a:gd name="T74" fmla="*/ 464 w 638"/>
+                <a:gd name="T75" fmla="*/ 439 h 639"/>
+              </a:gdLst>
+              <a:ahLst/>
+              <a:cxnLst>
+                <a:cxn ang="0">
+                  <a:pos x="T0" y="T1"/>
+                </a:cxn>
+                <a:cxn ang="0">
+                  <a:pos x="T2" y="T3"/>
+                </a:cxn>
+                <a:cxn ang="0">
+                  <a:pos x="T4" y="T5"/>
+                </a:cxn>
+                <a:cxn ang="0">
+                  <a:pos x="T6" y="T7"/>
+                </a:cxn>
+                <a:cxn ang="0">
+                  <a:pos x="T8" y="T9"/>
+                </a:cxn>
+                <a:cxn ang="0">
+                  <a:pos x="T10" y="T11"/>
+                </a:cxn>
+                <a:cxn ang="0">
+                  <a:pos x="T12" y="T13"/>
+                </a:cxn>
+                <a:cxn ang="0">
+                  <a:pos x="T14" y="T15"/>
+                </a:cxn>
+                <a:cxn ang="0">
+                  <a:pos x="T16" y="T17"/>
+                </a:cxn>
+                <a:cxn ang="0">
+                  <a:pos x="T18" y="T19"/>
+                </a:cxn>
+                <a:cxn ang="0">
+                  <a:pos x="T20" y="T21"/>
+                </a:cxn>
+                <a:cxn ang="0">
+                  <a:pos x="T22" y="T23"/>
+                </a:cxn>
+                <a:cxn ang="0">
+                  <a:pos x="T24" y="T25"/>
+                </a:cxn>
+                <a:cxn ang="0">
+                  <a:pos x="T26" y="T27"/>
+                </a:cxn>
+                <a:cxn ang="0">
+                  <a:pos x="T28" y="T29"/>
+                </a:cxn>
+                <a:cxn ang="0">
+                  <a:pos x="T30" y="T31"/>
+                </a:cxn>
+                <a:cxn ang="0">
+                  <a:pos x="T32" y="T33"/>
+                </a:cxn>
+                <a:cxn ang="0">
+                  <a:pos x="T34" y="T35"/>
+                </a:cxn>
+                <a:cxn ang="0">
+                  <a:pos x="T36" y="T37"/>
+                </a:cxn>
+                <a:cxn ang="0">
+                  <a:pos x="T38" y="T39"/>
+                </a:cxn>
+                <a:cxn ang="0">
+                  <a:pos x="T40" y="T41"/>
+                </a:cxn>
+                <a:cxn ang="0">
+                  <a:pos x="T42" y="T43"/>
+                </a:cxn>
+                <a:cxn ang="0">
+                  <a:pos x="T44" y="T45"/>
+                </a:cxn>
+                <a:cxn ang="0">
+                  <a:pos x="T46" y="T47"/>
+                </a:cxn>
+                <a:cxn ang="0">
+                  <a:pos x="T48" y="T49"/>
+                </a:cxn>
+                <a:cxn ang="0">
+                  <a:pos x="T50" y="T51"/>
+                </a:cxn>
+                <a:cxn ang="0">
+                  <a:pos x="T52" y="T53"/>
+                </a:cxn>
+                <a:cxn ang="0">
+                  <a:pos x="T54" y="T55"/>
+                </a:cxn>
+                <a:cxn ang="0">
+                  <a:pos x="T56" y="T57"/>
+                </a:cxn>
+                <a:cxn ang="0">
+                  <a:pos x="T58" y="T59"/>
+                </a:cxn>
+                <a:cxn ang="0">
+                  <a:pos x="T60" y="T61"/>
+                </a:cxn>
+                <a:cxn ang="0">
+                  <a:pos x="T62" y="T63"/>
+                </a:cxn>
+                <a:cxn ang="0">
+                  <a:pos x="T64" y="T65"/>
+                </a:cxn>
+                <a:cxn ang="0">
+                  <a:pos x="T66" y="T67"/>
+                </a:cxn>
+                <a:cxn ang="0">
+                  <a:pos x="T68" y="T69"/>
+                </a:cxn>
+                <a:cxn ang="0">
+                  <a:pos x="T70" y="T71"/>
+                </a:cxn>
+                <a:cxn ang="0">
+                  <a:pos x="T72" y="T73"/>
+                </a:cxn>
+                <a:cxn ang="0">
+                  <a:pos x="T74" y="T75"/>
+                </a:cxn>
+              </a:cxnLst>
+              <a:rect l="0" t="0" r="r" b="b"/>
+              <a:pathLst>
+                <a:path w="638" h="639">
+                  <a:moveTo>
+                    <a:pt x="638" y="270"/>
+                  </a:moveTo>
+                  <a:cubicBezTo>
+                    <a:pt x="638" y="215"/>
+                    <a:pt x="594" y="170"/>
+                    <a:pt x="539" y="170"/>
+                  </a:cubicBezTo>
+                  <a:cubicBezTo>
+                    <a:pt x="518" y="170"/>
+                    <a:pt x="499" y="176"/>
+                    <a:pt x="483" y="187"/>
+                  </a:cubicBezTo>
+                  <a:lnTo>
+                    <a:pt x="414" y="129"/>
+                  </a:lnTo>
+                  <a:cubicBezTo>
+                    <a:pt x="417" y="120"/>
+                    <a:pt x="419" y="110"/>
+                    <a:pt x="419" y="100"/>
+                  </a:cubicBezTo>
+                  <a:cubicBezTo>
+                    <a:pt x="419" y="45"/>
+                    <a:pt x="374" y="0"/>
+                    <a:pt x="319" y="0"/>
+                  </a:cubicBezTo>
+                  <a:cubicBezTo>
+                    <a:pt x="264" y="0"/>
+                    <a:pt x="219" y="45"/>
+                    <a:pt x="219" y="100"/>
+                  </a:cubicBezTo>
+                  <a:cubicBezTo>
+                    <a:pt x="219" y="110"/>
+                    <a:pt x="221" y="120"/>
+                    <a:pt x="224" y="129"/>
+                  </a:cubicBezTo>
+                  <a:lnTo>
+                    <a:pt x="149" y="191"/>
+                  </a:lnTo>
+                  <a:cubicBezTo>
+                    <a:pt x="135" y="184"/>
+                    <a:pt x="118" y="180"/>
+                    <a:pt x="100" y="180"/>
+                  </a:cubicBezTo>
+                  <a:cubicBezTo>
+                    <a:pt x="45" y="180"/>
+                    <a:pt x="0" y="215"/>
+                    <a:pt x="0" y="270"/>
+                  </a:cubicBezTo>
+                  <a:cubicBezTo>
+                    <a:pt x="0" y="319"/>
+                    <a:pt x="35" y="360"/>
+                    <a:pt x="82" y="368"/>
+                  </a:cubicBezTo>
+                  <a:lnTo>
+                    <a:pt x="109" y="464"/>
+                  </a:lnTo>
+                  <a:cubicBezTo>
+                    <a:pt x="88" y="482"/>
+                    <a:pt x="75" y="509"/>
+                    <a:pt x="75" y="539"/>
+                  </a:cubicBezTo>
+                  <a:cubicBezTo>
+                    <a:pt x="75" y="594"/>
+                    <a:pt x="119" y="639"/>
+                    <a:pt x="174" y="639"/>
+                  </a:cubicBezTo>
+                  <a:cubicBezTo>
+                    <a:pt x="217" y="639"/>
+                    <a:pt x="254" y="612"/>
+                    <a:pt x="268" y="574"/>
+                  </a:cubicBezTo>
+                  <a:lnTo>
+                    <a:pt x="370" y="574"/>
+                  </a:lnTo>
+                  <a:cubicBezTo>
+                    <a:pt x="384" y="612"/>
+                    <a:pt x="421" y="639"/>
+                    <a:pt x="464" y="639"/>
+                  </a:cubicBezTo>
+                  <a:cubicBezTo>
+                    <a:pt x="519" y="639"/>
+                    <a:pt x="564" y="594"/>
+                    <a:pt x="564" y="539"/>
+                  </a:cubicBezTo>
+                  <a:cubicBezTo>
+                    <a:pt x="564" y="508"/>
+                    <a:pt x="549" y="480"/>
+                    <a:pt x="527" y="462"/>
+                  </a:cubicBezTo>
+                  <a:lnTo>
+                    <a:pt x="554" y="368"/>
+                  </a:lnTo>
+                  <a:cubicBezTo>
+                    <a:pt x="602" y="361"/>
+                    <a:pt x="638" y="320"/>
+                    <a:pt x="638" y="270"/>
+                  </a:cubicBezTo>
+                  <a:close/>
+                  <a:moveTo>
+                    <a:pt x="464" y="439"/>
+                  </a:moveTo>
+                  <a:cubicBezTo>
+                    <a:pt x="416" y="439"/>
+                    <a:pt x="375" y="474"/>
+                    <a:pt x="366" y="519"/>
+                  </a:cubicBezTo>
+                  <a:lnTo>
+                    <a:pt x="272" y="519"/>
+                  </a:lnTo>
+                  <a:cubicBezTo>
+                    <a:pt x="263" y="474"/>
+                    <a:pt x="223" y="439"/>
+                    <a:pt x="174" y="439"/>
+                  </a:cubicBezTo>
+                  <a:cubicBezTo>
+                    <a:pt x="169" y="439"/>
+                    <a:pt x="164" y="440"/>
+                    <a:pt x="159" y="441"/>
+                  </a:cubicBezTo>
+                  <a:lnTo>
+                    <a:pt x="137" y="362"/>
+                  </a:lnTo>
+                  <a:cubicBezTo>
+                    <a:pt x="174" y="347"/>
+                    <a:pt x="199" y="312"/>
+                    <a:pt x="199" y="270"/>
+                  </a:cubicBezTo>
+                  <a:cubicBezTo>
+                    <a:pt x="199" y="254"/>
+                    <a:pt x="196" y="241"/>
+                    <a:pt x="190" y="229"/>
+                  </a:cubicBezTo>
+                  <a:lnTo>
+                    <a:pt x="254" y="176"/>
+                  </a:lnTo>
+                  <a:cubicBezTo>
+                    <a:pt x="271" y="191"/>
+                    <a:pt x="294" y="200"/>
+                    <a:pt x="319" y="200"/>
+                  </a:cubicBezTo>
+                  <a:cubicBezTo>
+                    <a:pt x="344" y="200"/>
+                    <a:pt x="367" y="191"/>
+                    <a:pt x="384" y="176"/>
+                  </a:cubicBezTo>
+                  <a:lnTo>
+                    <a:pt x="448" y="228"/>
+                  </a:lnTo>
+                  <a:cubicBezTo>
+                    <a:pt x="442" y="241"/>
+                    <a:pt x="439" y="255"/>
+                    <a:pt x="439" y="270"/>
+                  </a:cubicBezTo>
+                  <a:cubicBezTo>
+                    <a:pt x="439" y="311"/>
+                    <a:pt x="464" y="346"/>
+                    <a:pt x="499" y="361"/>
+                  </a:cubicBezTo>
+                  <a:lnTo>
+                    <a:pt x="476" y="440"/>
+                  </a:lnTo>
+                  <a:cubicBezTo>
+                    <a:pt x="472" y="440"/>
+                    <a:pt x="468" y="439"/>
+                    <a:pt x="464" y="439"/>
+                  </a:cubicBezTo>
+                  <a:close/>
+                </a:path>
+              </a:pathLst>
+            </a:custGeom>
+            <a:solidFill>
+              <a:srgbClr val="0078D7"/>
+            </a:solidFill>
+            <a:ln w="0">
+              <a:noFill/>
+              <a:prstDash val="solid"/>
+              <a:round/>
+              <a:headEnd/>
+              <a:tailEnd/>
+            </a:ln>
+          </p:spPr>
+          <p:txBody>
+            <a:bodyPr vert="horz" wrap="square" lIns="91440" tIns="45720" rIns="91440" bIns="45720" numCol="1" anchor="t" anchorCtr="0" compatLnSpc="1">
+              <a:prstTxWarp prst="textNoShape">
+                <a:avLst/>
+              </a:prstTxWarp>
+            </a:bodyPr>
+            <a:lstStyle/>
+            <a:p>
+              <a:endParaRPr lang="de-DE" sz="1200"/>
+            </a:p>
+          </p:txBody>
+        </p:sp>
+      </p:grpSp>
+      <p:grpSp>
+        <p:nvGrpSpPr>
+          <p:cNvPr id="123" name="Group 122"/>
+          <p:cNvGrpSpPr/>
+          <p:nvPr/>
+        </p:nvGrpSpPr>
+        <p:grpSpPr>
+          <a:xfrm>
+            <a:off x="8709628" y="2012018"/>
+            <a:ext cx="969004" cy="1244227"/>
+            <a:chOff x="8959850" y="1457756"/>
+            <a:chExt cx="1397479" cy="1794401"/>
+          </a:xfrm>
+        </p:grpSpPr>
+        <p:sp>
+          <p:nvSpPr>
+            <p:cNvPr id="117" name="Rectangle 116"/>
+            <p:cNvSpPr/>
+            <p:nvPr/>
+          </p:nvSpPr>
+          <p:spPr>
+            <a:xfrm>
+              <a:off x="8959850" y="1457756"/>
+              <a:ext cx="1397479" cy="1794401"/>
+            </a:xfrm>
+            <a:prstGeom prst="rect">
+              <a:avLst/>
+            </a:prstGeom>
+            <a:solidFill>
+              <a:srgbClr val="D7D7D7"/>
+            </a:solidFill>
+            <a:ln w="38100">
+              <a:solidFill>
+                <a:srgbClr val="3398DB"/>
+              </a:solidFill>
+              <a:miter lim="800000"/>
+              <a:headEnd/>
+              <a:tailEnd/>
+            </a:ln>
+          </p:spPr>
+          <p:txBody>
+            <a:bodyPr vert="horz" wrap="square" lIns="91440" tIns="45720" rIns="91440" bIns="45720" numCol="1" anchor="b" anchorCtr="0" compatLnSpc="1">
+              <a:prstTxWarp prst="textNoShape">
+                <a:avLst/>
+              </a:prstTxWarp>
+            </a:bodyPr>
+            <a:lstStyle/>
+            <a:p>
+              <a:pPr algn="ctr"/>
+              <a:r>
+                <a:rPr lang="en-US" sz="1200" dirty="0">
+                  <a:solidFill>
+                    <a:schemeClr val="tx1"/>
+                  </a:solidFill>
+                </a:rPr>
+                <a:t>Long-term storage</a:t>
+              </a:r>
+              <a:endParaRPr lang="de-DE" sz="1200" dirty="0">
+                <a:solidFill>
+                  <a:schemeClr val="tx1"/>
+                </a:solidFill>
+              </a:endParaRPr>
+            </a:p>
+          </p:txBody>
+        </p:sp>
+        <p:grpSp>
+          <p:nvGrpSpPr>
+            <p:cNvPr id="118" name="Group 28"/>
+            <p:cNvGrpSpPr>
+              <a:grpSpLocks noChangeAspect="1"/>
+            </p:cNvGrpSpPr>
+            <p:nvPr/>
+          </p:nvGrpSpPr>
+          <p:grpSpPr bwMode="auto">
+            <a:xfrm>
+              <a:off x="9149232" y="1653240"/>
+              <a:ext cx="1018714" cy="889624"/>
+              <a:chOff x="2421" y="2486"/>
+              <a:chExt cx="1018" cy="889"/>
+            </a:xfrm>
+          </p:grpSpPr>
+          <p:sp>
+            <p:nvSpPr>
+              <p:cNvPr id="119" name="Freeform 29"/>
+              <p:cNvSpPr>
+                <a:spLocks noEditPoints="1"/>
+              </p:cNvSpPr>
+              <p:nvPr/>
+            </p:nvSpPr>
+            <p:spPr bwMode="auto">
+              <a:xfrm>
+                <a:off x="2421" y="2486"/>
+                <a:ext cx="1018" cy="889"/>
+              </a:xfrm>
+              <a:custGeom>
+                <a:avLst/>
+                <a:gdLst>
+                  <a:gd name="T0" fmla="*/ 463 w 617"/>
+                  <a:gd name="T1" fmla="*/ 0 h 535"/>
+                  <a:gd name="T2" fmla="*/ 155 w 617"/>
+                  <a:gd name="T3" fmla="*/ 0 h 535"/>
+                  <a:gd name="T4" fmla="*/ 0 w 617"/>
+                  <a:gd name="T5" fmla="*/ 268 h 535"/>
+                  <a:gd name="T6" fmla="*/ 155 w 617"/>
+                  <a:gd name="T7" fmla="*/ 535 h 535"/>
+                  <a:gd name="T8" fmla="*/ 463 w 617"/>
+                  <a:gd name="T9" fmla="*/ 535 h 535"/>
+                  <a:gd name="T10" fmla="*/ 617 w 617"/>
+                  <a:gd name="T11" fmla="*/ 268 h 535"/>
+                  <a:gd name="T12" fmla="*/ 463 w 617"/>
+                  <a:gd name="T13" fmla="*/ 0 h 535"/>
+                  <a:gd name="T14" fmla="*/ 464 w 617"/>
+                  <a:gd name="T15" fmla="*/ 387 h 535"/>
+                  <a:gd name="T16" fmla="*/ 422 w 617"/>
+                  <a:gd name="T17" fmla="*/ 429 h 535"/>
+                  <a:gd name="T18" fmla="*/ 196 w 617"/>
+                  <a:gd name="T19" fmla="*/ 429 h 535"/>
+                  <a:gd name="T20" fmla="*/ 154 w 617"/>
+                  <a:gd name="T21" fmla="*/ 387 h 535"/>
+                  <a:gd name="T22" fmla="*/ 154 w 617"/>
+                  <a:gd name="T23" fmla="*/ 148 h 535"/>
+                  <a:gd name="T24" fmla="*/ 196 w 617"/>
+                  <a:gd name="T25" fmla="*/ 107 h 535"/>
+                  <a:gd name="T26" fmla="*/ 364 w 617"/>
+                  <a:gd name="T27" fmla="*/ 107 h 535"/>
+                  <a:gd name="T28" fmla="*/ 395 w 617"/>
+                  <a:gd name="T29" fmla="*/ 107 h 535"/>
+                  <a:gd name="T30" fmla="*/ 400 w 617"/>
+                  <a:gd name="T31" fmla="*/ 107 h 535"/>
+                  <a:gd name="T32" fmla="*/ 464 w 617"/>
+                  <a:gd name="T33" fmla="*/ 170 h 535"/>
+                  <a:gd name="T34" fmla="*/ 464 w 617"/>
+                  <a:gd name="T35" fmla="*/ 387 h 535"/>
+                </a:gdLst>
+                <a:ahLst/>
+                <a:cxnLst>
+                  <a:cxn ang="0">
+                    <a:pos x="T0" y="T1"/>
+                  </a:cxn>
+                  <a:cxn ang="0">
+                    <a:pos x="T2" y="T3"/>
+                  </a:cxn>
+                  <a:cxn ang="0">
+                    <a:pos x="T4" y="T5"/>
+                  </a:cxn>
+                  <a:cxn ang="0">
+                    <a:pos x="T6" y="T7"/>
+                  </a:cxn>
+                  <a:cxn ang="0">
+                    <a:pos x="T8" y="T9"/>
+                  </a:cxn>
+                  <a:cxn ang="0">
+                    <a:pos x="T10" y="T11"/>
+                  </a:cxn>
+                  <a:cxn ang="0">
+                    <a:pos x="T12" y="T13"/>
+                  </a:cxn>
+                  <a:cxn ang="0">
+                    <a:pos x="T14" y="T15"/>
+                  </a:cxn>
+                  <a:cxn ang="0">
+                    <a:pos x="T16" y="T17"/>
+                  </a:cxn>
+                  <a:cxn ang="0">
+                    <a:pos x="T18" y="T19"/>
+                  </a:cxn>
+                  <a:cxn ang="0">
+                    <a:pos x="T20" y="T21"/>
+                  </a:cxn>
+                  <a:cxn ang="0">
+                    <a:pos x="T22" y="T23"/>
+                  </a:cxn>
+                  <a:cxn ang="0">
+                    <a:pos x="T24" y="T25"/>
+                  </a:cxn>
+                  <a:cxn ang="0">
+                    <a:pos x="T26" y="T27"/>
+                  </a:cxn>
+                  <a:cxn ang="0">
+                    <a:pos x="T28" y="T29"/>
+                  </a:cxn>
+                  <a:cxn ang="0">
+                    <a:pos x="T30" y="T31"/>
+                  </a:cxn>
+                  <a:cxn ang="0">
+                    <a:pos x="T32" y="T33"/>
+                  </a:cxn>
+                  <a:cxn ang="0">
+                    <a:pos x="T34" y="T35"/>
+                  </a:cxn>
+                </a:cxnLst>
+                <a:rect l="0" t="0" r="r" b="b"/>
+                <a:pathLst>
+                  <a:path w="617" h="535">
+                    <a:moveTo>
+                      <a:pt x="463" y="0"/>
+                    </a:moveTo>
+                    <a:lnTo>
+                      <a:pt x="155" y="0"/>
+                    </a:lnTo>
+                    <a:lnTo>
+                      <a:pt x="0" y="268"/>
+                    </a:lnTo>
+                    <a:lnTo>
+                      <a:pt x="155" y="535"/>
+                    </a:lnTo>
+                    <a:lnTo>
+                      <a:pt x="463" y="535"/>
+                    </a:lnTo>
+                    <a:lnTo>
+                      <a:pt x="617" y="268"/>
+                    </a:lnTo>
+                    <a:lnTo>
+                      <a:pt x="463" y="0"/>
+                    </a:lnTo>
+                    <a:close/>
+                    <a:moveTo>
+                      <a:pt x="464" y="387"/>
+                    </a:moveTo>
+                    <a:cubicBezTo>
+                      <a:pt x="464" y="410"/>
+                      <a:pt x="445" y="429"/>
+                      <a:pt x="422" y="429"/>
+                    </a:cubicBezTo>
+                    <a:lnTo>
+                      <a:pt x="196" y="429"/>
+                    </a:lnTo>
+                    <a:cubicBezTo>
+                      <a:pt x="173" y="429"/>
+                      <a:pt x="154" y="410"/>
+                      <a:pt x="154" y="387"/>
+                    </a:cubicBezTo>
+                    <a:lnTo>
+                      <a:pt x="154" y="148"/>
+                    </a:lnTo>
+                    <a:cubicBezTo>
+                      <a:pt x="154" y="125"/>
+                      <a:pt x="173" y="107"/>
+                      <a:pt x="196" y="107"/>
+                    </a:cubicBezTo>
+                    <a:lnTo>
+                      <a:pt x="364" y="107"/>
+                    </a:lnTo>
+                    <a:cubicBezTo>
+                      <a:pt x="380" y="107"/>
+                      <a:pt x="395" y="107"/>
+                      <a:pt x="395" y="107"/>
+                    </a:cubicBezTo>
+                    <a:lnTo>
+                      <a:pt x="400" y="107"/>
+                    </a:lnTo>
+                    <a:lnTo>
+                      <a:pt x="464" y="170"/>
+                    </a:lnTo>
+                    <a:lnTo>
+                      <a:pt x="464" y="387"/>
+                    </a:lnTo>
+                    <a:close/>
+                  </a:path>
+                </a:pathLst>
+              </a:custGeom>
+              <a:solidFill>
+                <a:srgbClr val="0078D7"/>
+              </a:solidFill>
+              <a:ln w="0">
+                <a:noFill/>
+                <a:prstDash val="solid"/>
+                <a:round/>
+                <a:headEnd/>
+                <a:tailEnd/>
+              </a:ln>
+            </p:spPr>
+            <p:txBody>
+              <a:bodyPr vert="horz" wrap="square" lIns="91440" tIns="45720" rIns="91440" bIns="45720" numCol="1" anchor="t" anchorCtr="0" compatLnSpc="1">
+                <a:prstTxWarp prst="textNoShape">
+                  <a:avLst/>
+                </a:prstTxWarp>
+              </a:bodyPr>
+              <a:lstStyle/>
+              <a:p>
+                <a:endParaRPr lang="de-DE" sz="1200"/>
+              </a:p>
+            </p:txBody>
+          </p:sp>
+          <p:sp>
+            <p:nvSpPr>
+              <p:cNvPr id="120" name="Freeform 30"/>
+              <p:cNvSpPr>
+                <a:spLocks/>
+              </p:cNvSpPr>
+              <p:nvPr/>
+            </p:nvSpPr>
+            <p:spPr bwMode="auto">
+              <a:xfrm>
+                <a:off x="2848" y="2979"/>
+                <a:ext cx="45" cy="108"/>
+              </a:xfrm>
+              <a:custGeom>
+                <a:avLst/>
+                <a:gdLst>
+                  <a:gd name="T0" fmla="*/ 26 w 27"/>
+                  <a:gd name="T1" fmla="*/ 13 h 65"/>
+                  <a:gd name="T2" fmla="*/ 24 w 27"/>
+                  <a:gd name="T3" fmla="*/ 7 h 65"/>
+                  <a:gd name="T4" fmla="*/ 21 w 27"/>
+                  <a:gd name="T5" fmla="*/ 3 h 65"/>
+                  <a:gd name="T6" fmla="*/ 18 w 27"/>
+                  <a:gd name="T7" fmla="*/ 1 h 65"/>
+                  <a:gd name="T8" fmla="*/ 14 w 27"/>
+                  <a:gd name="T9" fmla="*/ 0 h 65"/>
+                  <a:gd name="T10" fmla="*/ 7 w 27"/>
+                  <a:gd name="T11" fmla="*/ 2 h 65"/>
+                  <a:gd name="T12" fmla="*/ 2 w 27"/>
+                  <a:gd name="T13" fmla="*/ 8 h 65"/>
+                  <a:gd name="T14" fmla="*/ 0 w 27"/>
+                  <a:gd name="T15" fmla="*/ 18 h 65"/>
+                  <a:gd name="T16" fmla="*/ 0 w 27"/>
+                  <a:gd name="T17" fmla="*/ 32 h 65"/>
+                  <a:gd name="T18" fmla="*/ 0 w 27"/>
+                  <a:gd name="T19" fmla="*/ 48 h 65"/>
+                  <a:gd name="T20" fmla="*/ 3 w 27"/>
+                  <a:gd name="T21" fmla="*/ 58 h 65"/>
+                  <a:gd name="T22" fmla="*/ 7 w 27"/>
+                  <a:gd name="T23" fmla="*/ 64 h 65"/>
+                  <a:gd name="T24" fmla="*/ 13 w 27"/>
+                  <a:gd name="T25" fmla="*/ 65 h 65"/>
+                  <a:gd name="T26" fmla="*/ 18 w 27"/>
+                  <a:gd name="T27" fmla="*/ 64 h 65"/>
+                  <a:gd name="T28" fmla="*/ 22 w 27"/>
+                  <a:gd name="T29" fmla="*/ 62 h 65"/>
+                  <a:gd name="T30" fmla="*/ 24 w 27"/>
+                  <a:gd name="T31" fmla="*/ 57 h 65"/>
+                  <a:gd name="T32" fmla="*/ 26 w 27"/>
+                  <a:gd name="T33" fmla="*/ 51 h 65"/>
+                  <a:gd name="T34" fmla="*/ 27 w 27"/>
+                  <a:gd name="T35" fmla="*/ 43 h 65"/>
+                  <a:gd name="T36" fmla="*/ 27 w 27"/>
+                  <a:gd name="T37" fmla="*/ 33 h 65"/>
+                  <a:gd name="T38" fmla="*/ 27 w 27"/>
+                  <a:gd name="T39" fmla="*/ 22 h 65"/>
+                  <a:gd name="T40" fmla="*/ 26 w 27"/>
+                  <a:gd name="T41" fmla="*/ 13 h 65"/>
+                </a:gdLst>
+                <a:ahLst/>
+                <a:cxnLst>
+                  <a:cxn ang="0">
+                    <a:pos x="T0" y="T1"/>
+                  </a:cxn>
+                  <a:cxn ang="0">
+                    <a:pos x="T2" y="T3"/>
+                  </a:cxn>
+                  <a:cxn ang="0">
+                    <a:pos x="T4" y="T5"/>
+                  </a:cxn>
+                  <a:cxn ang="0">
+                    <a:pos x="T6" y="T7"/>
+                  </a:cxn>
+                  <a:cxn ang="0">
+                    <a:pos x="T8" y="T9"/>
+                  </a:cxn>
+                  <a:cxn ang="0">
+                    <a:pos x="T10" y="T11"/>
+                  </a:cxn>
+                  <a:cxn ang="0">
+                    <a:pos x="T12" y="T13"/>
+                  </a:cxn>
+                  <a:cxn ang="0">
+                    <a:pos x="T14" y="T15"/>
+                  </a:cxn>
+                  <a:cxn ang="0">
+                    <a:pos x="T16" y="T17"/>
+                  </a:cxn>
+                  <a:cxn ang="0">
+                    <a:pos x="T18" y="T19"/>
+                  </a:cxn>
+                  <a:cxn ang="0">
+                    <a:pos x="T20" y="T21"/>
+                  </a:cxn>
+                  <a:cxn ang="0">
+                    <a:pos x="T22" y="T23"/>
+                  </a:cxn>
+                  <a:cxn ang="0">
+                    <a:pos x="T24" y="T25"/>
+                  </a:cxn>
+                  <a:cxn ang="0">
+                    <a:pos x="T26" y="T27"/>
+                  </a:cxn>
+                  <a:cxn ang="0">
+                    <a:pos x="T28" y="T29"/>
+                  </a:cxn>
+                  <a:cxn ang="0">
+                    <a:pos x="T30" y="T31"/>
+                  </a:cxn>
+                  <a:cxn ang="0">
+                    <a:pos x="T32" y="T33"/>
+                  </a:cxn>
+                  <a:cxn ang="0">
+                    <a:pos x="T34" y="T35"/>
+                  </a:cxn>
+                  <a:cxn ang="0">
+                    <a:pos x="T36" y="T37"/>
+                  </a:cxn>
+                  <a:cxn ang="0">
+                    <a:pos x="T38" y="T39"/>
+                  </a:cxn>
+                  <a:cxn ang="0">
+                    <a:pos x="T40" y="T41"/>
+                  </a:cxn>
+                </a:cxnLst>
+                <a:rect l="0" t="0" r="r" b="b"/>
+                <a:pathLst>
+                  <a:path w="27" h="65">
+                    <a:moveTo>
+                      <a:pt x="26" y="13"/>
+                    </a:moveTo>
+                    <a:cubicBezTo>
+                      <a:pt x="25" y="11"/>
+                      <a:pt x="25" y="9"/>
+                      <a:pt x="24" y="7"/>
+                    </a:cubicBezTo>
+                    <a:cubicBezTo>
+                      <a:pt x="23" y="6"/>
+                      <a:pt x="22" y="4"/>
+                      <a:pt x="21" y="3"/>
+                    </a:cubicBezTo>
+                    <a:cubicBezTo>
+                      <a:pt x="20" y="2"/>
+                      <a:pt x="19" y="2"/>
+                      <a:pt x="18" y="1"/>
+                    </a:cubicBezTo>
+                    <a:cubicBezTo>
+                      <a:pt x="17" y="1"/>
+                      <a:pt x="15" y="0"/>
+                      <a:pt x="14" y="0"/>
+                    </a:cubicBezTo>
+                    <a:cubicBezTo>
+                      <a:pt x="11" y="0"/>
+                      <a:pt x="9" y="1"/>
+                      <a:pt x="7" y="2"/>
+                    </a:cubicBezTo>
+                    <a:cubicBezTo>
+                      <a:pt x="5" y="4"/>
+                      <a:pt x="3" y="6"/>
+                      <a:pt x="2" y="8"/>
+                    </a:cubicBezTo>
+                    <a:cubicBezTo>
+                      <a:pt x="1" y="11"/>
+                      <a:pt x="1" y="14"/>
+                      <a:pt x="0" y="18"/>
+                    </a:cubicBezTo>
+                    <a:cubicBezTo>
+                      <a:pt x="0" y="22"/>
+                      <a:pt x="0" y="27"/>
+                      <a:pt x="0" y="32"/>
+                    </a:cubicBezTo>
+                    <a:cubicBezTo>
+                      <a:pt x="0" y="39"/>
+                      <a:pt x="0" y="44"/>
+                      <a:pt x="0" y="48"/>
+                    </a:cubicBezTo>
+                    <a:cubicBezTo>
+                      <a:pt x="1" y="53"/>
+                      <a:pt x="2" y="56"/>
+                      <a:pt x="3" y="58"/>
+                    </a:cubicBezTo>
+                    <a:cubicBezTo>
+                      <a:pt x="4" y="61"/>
+                      <a:pt x="5" y="63"/>
+                      <a:pt x="7" y="64"/>
+                    </a:cubicBezTo>
+                    <a:cubicBezTo>
+                      <a:pt x="9" y="65"/>
+                      <a:pt x="11" y="65"/>
+                      <a:pt x="13" y="65"/>
+                    </a:cubicBezTo>
+                    <a:cubicBezTo>
+                      <a:pt x="15" y="65"/>
+                      <a:pt x="17" y="65"/>
+                      <a:pt x="18" y="64"/>
+                    </a:cubicBezTo>
+                    <a:cubicBezTo>
+                      <a:pt x="19" y="64"/>
+                      <a:pt x="21" y="63"/>
+                      <a:pt x="22" y="62"/>
+                    </a:cubicBezTo>
+                    <a:cubicBezTo>
+                      <a:pt x="23" y="61"/>
+                      <a:pt x="24" y="59"/>
+                      <a:pt x="24" y="57"/>
+                    </a:cubicBezTo>
+                    <a:cubicBezTo>
+                      <a:pt x="25" y="56"/>
+                      <a:pt x="26" y="54"/>
+                      <a:pt x="26" y="51"/>
+                    </a:cubicBezTo>
+                    <a:cubicBezTo>
+                      <a:pt x="27" y="49"/>
+                      <a:pt x="27" y="46"/>
+                      <a:pt x="27" y="43"/>
+                    </a:cubicBezTo>
+                    <a:cubicBezTo>
+                      <a:pt x="27" y="40"/>
+                      <a:pt x="27" y="37"/>
+                      <a:pt x="27" y="33"/>
+                    </a:cubicBezTo>
+                    <a:cubicBezTo>
+                      <a:pt x="27" y="29"/>
+                      <a:pt x="27" y="25"/>
+                      <a:pt x="27" y="22"/>
+                    </a:cubicBezTo>
+                    <a:cubicBezTo>
+                      <a:pt x="27" y="19"/>
+                      <a:pt x="26" y="16"/>
+                      <a:pt x="26" y="13"/>
+                    </a:cubicBezTo>
+                  </a:path>
+                </a:pathLst>
+              </a:custGeom>
+              <a:solidFill>
+                <a:srgbClr val="0078D7"/>
+              </a:solidFill>
+              <a:ln w="0">
+                <a:noFill/>
+                <a:prstDash val="solid"/>
+                <a:round/>
+                <a:headEnd/>
+                <a:tailEnd/>
+              </a:ln>
+            </p:spPr>
+            <p:txBody>
+              <a:bodyPr vert="horz" wrap="square" lIns="91440" tIns="45720" rIns="91440" bIns="45720" numCol="1" anchor="t" anchorCtr="0" compatLnSpc="1">
+                <a:prstTxWarp prst="textNoShape">
+                  <a:avLst/>
+                </a:prstTxWarp>
+              </a:bodyPr>
+              <a:lstStyle/>
+              <a:p>
+                <a:endParaRPr lang="de-DE" sz="1200"/>
+              </a:p>
+            </p:txBody>
+          </p:sp>
+          <p:sp>
+            <p:nvSpPr>
+              <p:cNvPr id="121" name="Freeform 31"/>
+              <p:cNvSpPr>
+                <a:spLocks/>
+              </p:cNvSpPr>
+              <p:nvPr/>
+            </p:nvSpPr>
+            <p:spPr bwMode="auto">
+              <a:xfrm>
+                <a:off x="2967" y="2773"/>
+                <a:ext cx="46" cy="108"/>
+              </a:xfrm>
+              <a:custGeom>
+                <a:avLst/>
+                <a:gdLst>
+                  <a:gd name="T0" fmla="*/ 27 w 28"/>
+                  <a:gd name="T1" fmla="*/ 13 h 65"/>
+                  <a:gd name="T2" fmla="*/ 25 w 28"/>
+                  <a:gd name="T3" fmla="*/ 7 h 65"/>
+                  <a:gd name="T4" fmla="*/ 22 w 28"/>
+                  <a:gd name="T5" fmla="*/ 3 h 65"/>
+                  <a:gd name="T6" fmla="*/ 19 w 28"/>
+                  <a:gd name="T7" fmla="*/ 1 h 65"/>
+                  <a:gd name="T8" fmla="*/ 14 w 28"/>
+                  <a:gd name="T9" fmla="*/ 0 h 65"/>
+                  <a:gd name="T10" fmla="*/ 8 w 28"/>
+                  <a:gd name="T11" fmla="*/ 2 h 65"/>
+                  <a:gd name="T12" fmla="*/ 3 w 28"/>
+                  <a:gd name="T13" fmla="*/ 8 h 65"/>
+                  <a:gd name="T14" fmla="*/ 1 w 28"/>
+                  <a:gd name="T15" fmla="*/ 18 h 65"/>
+                  <a:gd name="T16" fmla="*/ 0 w 28"/>
+                  <a:gd name="T17" fmla="*/ 32 h 65"/>
+                  <a:gd name="T18" fmla="*/ 1 w 28"/>
+                  <a:gd name="T19" fmla="*/ 48 h 65"/>
+                  <a:gd name="T20" fmla="*/ 4 w 28"/>
+                  <a:gd name="T21" fmla="*/ 58 h 65"/>
+                  <a:gd name="T22" fmla="*/ 8 w 28"/>
+                  <a:gd name="T23" fmla="*/ 63 h 65"/>
+                  <a:gd name="T24" fmla="*/ 14 w 28"/>
+                  <a:gd name="T25" fmla="*/ 65 h 65"/>
+                  <a:gd name="T26" fmla="*/ 19 w 28"/>
+                  <a:gd name="T27" fmla="*/ 64 h 65"/>
+                  <a:gd name="T28" fmla="*/ 23 w 28"/>
+                  <a:gd name="T29" fmla="*/ 61 h 65"/>
+                  <a:gd name="T30" fmla="*/ 25 w 28"/>
+                  <a:gd name="T31" fmla="*/ 57 h 65"/>
+                  <a:gd name="T32" fmla="*/ 27 w 28"/>
+                  <a:gd name="T33" fmla="*/ 51 h 65"/>
+                  <a:gd name="T34" fmla="*/ 28 w 28"/>
+                  <a:gd name="T35" fmla="*/ 43 h 65"/>
+                  <a:gd name="T36" fmla="*/ 28 w 28"/>
+                  <a:gd name="T37" fmla="*/ 33 h 65"/>
+                  <a:gd name="T38" fmla="*/ 28 w 28"/>
+                  <a:gd name="T39" fmla="*/ 22 h 65"/>
+                  <a:gd name="T40" fmla="*/ 27 w 28"/>
+                  <a:gd name="T41" fmla="*/ 13 h 65"/>
+                </a:gdLst>
+                <a:ahLst/>
+                <a:cxnLst>
+                  <a:cxn ang="0">
+                    <a:pos x="T0" y="T1"/>
+                  </a:cxn>
+                  <a:cxn ang="0">
+                    <a:pos x="T2" y="T3"/>
+                  </a:cxn>
+                  <a:cxn ang="0">
+                    <a:pos x="T4" y="T5"/>
+                  </a:cxn>
+                  <a:cxn ang="0">
+                    <a:pos x="T6" y="T7"/>
+                  </a:cxn>
+                  <a:cxn ang="0">
+                    <a:pos x="T8" y="T9"/>
+                  </a:cxn>
+                  <a:cxn ang="0">
+                    <a:pos x="T10" y="T11"/>
+                  </a:cxn>
+                  <a:cxn ang="0">
+                    <a:pos x="T12" y="T13"/>
+                  </a:cxn>
+                  <a:cxn ang="0">
+                    <a:pos x="T14" y="T15"/>
+                  </a:cxn>
+                  <a:cxn ang="0">
+                    <a:pos x="T16" y="T17"/>
+                  </a:cxn>
+                  <a:cxn ang="0">
+                    <a:pos x="T18" y="T19"/>
+                  </a:cxn>
+                  <a:cxn ang="0">
+                    <a:pos x="T20" y="T21"/>
+                  </a:cxn>
+                  <a:cxn ang="0">
+                    <a:pos x="T22" y="T23"/>
+                  </a:cxn>
+                  <a:cxn ang="0">
+                    <a:pos x="T24" y="T25"/>
+                  </a:cxn>
+                  <a:cxn ang="0">
+                    <a:pos x="T26" y="T27"/>
+                  </a:cxn>
+                  <a:cxn ang="0">
+                    <a:pos x="T28" y="T29"/>
+                  </a:cxn>
+                  <a:cxn ang="0">
+                    <a:pos x="T30" y="T31"/>
+                  </a:cxn>
+                  <a:cxn ang="0">
+                    <a:pos x="T32" y="T33"/>
+                  </a:cxn>
+                  <a:cxn ang="0">
+                    <a:pos x="T34" y="T35"/>
+                  </a:cxn>
+                  <a:cxn ang="0">
+                    <a:pos x="T36" y="T37"/>
+                  </a:cxn>
+                  <a:cxn ang="0">
+                    <a:pos x="T38" y="T39"/>
+                  </a:cxn>
+                  <a:cxn ang="0">
+                    <a:pos x="T40" y="T41"/>
+                  </a:cxn>
+                </a:cxnLst>
+                <a:rect l="0" t="0" r="r" b="b"/>
+                <a:pathLst>
+                  <a:path w="28" h="65">
+                    <a:moveTo>
+                      <a:pt x="27" y="13"/>
+                    </a:moveTo>
+                    <a:cubicBezTo>
+                      <a:pt x="26" y="10"/>
+                      <a:pt x="26" y="8"/>
+                      <a:pt x="25" y="7"/>
+                    </a:cubicBezTo>
+                    <a:cubicBezTo>
+                      <a:pt x="24" y="5"/>
+                      <a:pt x="23" y="4"/>
+                      <a:pt x="22" y="3"/>
+                    </a:cubicBezTo>
+                    <a:cubicBezTo>
+                      <a:pt x="21" y="2"/>
+                      <a:pt x="20" y="1"/>
+                      <a:pt x="19" y="1"/>
+                    </a:cubicBezTo>
+                    <a:cubicBezTo>
+                      <a:pt x="17" y="0"/>
+                      <a:pt x="16" y="0"/>
+                      <a:pt x="14" y="0"/>
+                    </a:cubicBezTo>
+                    <a:cubicBezTo>
+                      <a:pt x="12" y="0"/>
+                      <a:pt x="9" y="1"/>
+                      <a:pt x="8" y="2"/>
+                    </a:cubicBezTo>
+                    <a:cubicBezTo>
+                      <a:pt x="6" y="3"/>
+                      <a:pt x="4" y="5"/>
+                      <a:pt x="3" y="8"/>
+                    </a:cubicBezTo>
+                    <a:cubicBezTo>
+                      <a:pt x="2" y="11"/>
+                      <a:pt x="1" y="14"/>
+                      <a:pt x="1" y="18"/>
+                    </a:cubicBezTo>
+                    <a:cubicBezTo>
+                      <a:pt x="1" y="22"/>
+                      <a:pt x="0" y="26"/>
+                      <a:pt x="0" y="32"/>
+                    </a:cubicBezTo>
+                    <a:cubicBezTo>
+                      <a:pt x="0" y="38"/>
+                      <a:pt x="1" y="44"/>
+                      <a:pt x="1" y="48"/>
+                    </a:cubicBezTo>
+                    <a:cubicBezTo>
+                      <a:pt x="2" y="52"/>
+                      <a:pt x="3" y="55"/>
+                      <a:pt x="4" y="58"/>
+                    </a:cubicBezTo>
+                    <a:cubicBezTo>
+                      <a:pt x="5" y="60"/>
+                      <a:pt x="6" y="62"/>
+                      <a:pt x="8" y="63"/>
+                    </a:cubicBezTo>
+                    <a:cubicBezTo>
+                      <a:pt x="10" y="64"/>
+                      <a:pt x="12" y="65"/>
+                      <a:pt x="14" y="65"/>
+                    </a:cubicBezTo>
+                    <a:cubicBezTo>
+                      <a:pt x="16" y="65"/>
+                      <a:pt x="18" y="64"/>
+                      <a:pt x="19" y="64"/>
+                    </a:cubicBezTo>
+                    <a:cubicBezTo>
+                      <a:pt x="20" y="63"/>
+                      <a:pt x="22" y="62"/>
+                      <a:pt x="23" y="61"/>
+                    </a:cubicBezTo>
+                    <a:cubicBezTo>
+                      <a:pt x="24" y="60"/>
+                      <a:pt x="25" y="59"/>
+                      <a:pt x="25" y="57"/>
+                    </a:cubicBezTo>
+                    <a:cubicBezTo>
+                      <a:pt x="26" y="55"/>
+                      <a:pt x="27" y="53"/>
+                      <a:pt x="27" y="51"/>
+                    </a:cubicBezTo>
+                    <a:cubicBezTo>
+                      <a:pt x="27" y="48"/>
+                      <a:pt x="28" y="46"/>
+                      <a:pt x="28" y="43"/>
+                    </a:cubicBezTo>
+                    <a:cubicBezTo>
+                      <a:pt x="28" y="40"/>
+                      <a:pt x="28" y="36"/>
+                      <a:pt x="28" y="33"/>
+                    </a:cubicBezTo>
+                    <a:cubicBezTo>
+                      <a:pt x="28" y="29"/>
+                      <a:pt x="28" y="25"/>
+                      <a:pt x="28" y="22"/>
+                    </a:cubicBezTo>
+                    <a:cubicBezTo>
+                      <a:pt x="28" y="18"/>
+                      <a:pt x="27" y="15"/>
+                      <a:pt x="27" y="13"/>
+                    </a:cubicBezTo>
+                  </a:path>
+                </a:pathLst>
+              </a:custGeom>
+              <a:solidFill>
+                <a:srgbClr val="0078D7"/>
+              </a:solidFill>
+              <a:ln w="0">
+                <a:noFill/>
+                <a:prstDash val="solid"/>
+                <a:round/>
+                <a:headEnd/>
+                <a:tailEnd/>
+              </a:ln>
+            </p:spPr>
+            <p:txBody>
+              <a:bodyPr vert="horz" wrap="square" lIns="91440" tIns="45720" rIns="91440" bIns="45720" numCol="1" anchor="t" anchorCtr="0" compatLnSpc="1">
+                <a:prstTxWarp prst="textNoShape">
+                  <a:avLst/>
+                </a:prstTxWarp>
+              </a:bodyPr>
+              <a:lstStyle/>
+              <a:p>
+                <a:endParaRPr lang="de-DE" sz="1200"/>
+              </a:p>
+            </p:txBody>
+          </p:sp>
+          <p:sp>
+            <p:nvSpPr>
+              <p:cNvPr id="122" name="Freeform 32"/>
+              <p:cNvSpPr>
+                <a:spLocks noEditPoints="1"/>
+              </p:cNvSpPr>
+              <p:nvPr/>
+            </p:nvSpPr>
+            <p:spPr bwMode="auto">
+              <a:xfrm>
+                <a:off x="2713" y="2700"/>
+                <a:ext cx="436" cy="460"/>
+              </a:xfrm>
+              <a:custGeom>
+                <a:avLst/>
+                <a:gdLst>
+                  <a:gd name="T0" fmla="*/ 187 w 264"/>
+                  <a:gd name="T1" fmla="*/ 0 h 277"/>
+                  <a:gd name="T2" fmla="*/ 0 w 264"/>
+                  <a:gd name="T3" fmla="*/ 19 h 277"/>
+                  <a:gd name="T4" fmla="*/ 18 w 264"/>
+                  <a:gd name="T5" fmla="*/ 277 h 277"/>
+                  <a:gd name="T6" fmla="*/ 264 w 264"/>
+                  <a:gd name="T7" fmla="*/ 258 h 277"/>
+                  <a:gd name="T8" fmla="*/ 213 w 264"/>
+                  <a:gd name="T9" fmla="*/ 53 h 277"/>
+                  <a:gd name="T10" fmla="*/ 213 w 264"/>
+                  <a:gd name="T11" fmla="*/ 1 h 277"/>
+                  <a:gd name="T12" fmla="*/ 70 w 264"/>
+                  <a:gd name="T13" fmla="*/ 46 h 277"/>
+                  <a:gd name="T14" fmla="*/ 72 w 264"/>
+                  <a:gd name="T15" fmla="*/ 44 h 277"/>
+                  <a:gd name="T16" fmla="*/ 92 w 264"/>
+                  <a:gd name="T17" fmla="*/ 31 h 277"/>
+                  <a:gd name="T18" fmla="*/ 96 w 264"/>
+                  <a:gd name="T19" fmla="*/ 30 h 277"/>
+                  <a:gd name="T20" fmla="*/ 104 w 264"/>
+                  <a:gd name="T21" fmla="*/ 30 h 277"/>
+                  <a:gd name="T22" fmla="*/ 107 w 264"/>
+                  <a:gd name="T23" fmla="*/ 31 h 277"/>
+                  <a:gd name="T24" fmla="*/ 108 w 264"/>
+                  <a:gd name="T25" fmla="*/ 108 h 277"/>
+                  <a:gd name="T26" fmla="*/ 124 w 264"/>
+                  <a:gd name="T27" fmla="*/ 108 h 277"/>
+                  <a:gd name="T28" fmla="*/ 125 w 264"/>
+                  <a:gd name="T29" fmla="*/ 111 h 277"/>
+                  <a:gd name="T30" fmla="*/ 125 w 264"/>
+                  <a:gd name="T31" fmla="*/ 118 h 277"/>
+                  <a:gd name="T32" fmla="*/ 124 w 264"/>
+                  <a:gd name="T33" fmla="*/ 121 h 277"/>
+                  <a:gd name="T34" fmla="*/ 72 w 264"/>
+                  <a:gd name="T35" fmla="*/ 122 h 277"/>
+                  <a:gd name="T36" fmla="*/ 70 w 264"/>
+                  <a:gd name="T37" fmla="*/ 120 h 277"/>
+                  <a:gd name="T38" fmla="*/ 70 w 264"/>
+                  <a:gd name="T39" fmla="*/ 115 h 277"/>
+                  <a:gd name="T40" fmla="*/ 70 w 264"/>
+                  <a:gd name="T41" fmla="*/ 109 h 277"/>
+                  <a:gd name="T42" fmla="*/ 72 w 264"/>
+                  <a:gd name="T43" fmla="*/ 108 h 277"/>
+                  <a:gd name="T44" fmla="*/ 89 w 264"/>
+                  <a:gd name="T45" fmla="*/ 48 h 277"/>
+                  <a:gd name="T46" fmla="*/ 72 w 264"/>
+                  <a:gd name="T47" fmla="*/ 57 h 277"/>
+                  <a:gd name="T48" fmla="*/ 70 w 264"/>
+                  <a:gd name="T49" fmla="*/ 55 h 277"/>
+                  <a:gd name="T50" fmla="*/ 69 w 264"/>
+                  <a:gd name="T51" fmla="*/ 48 h 277"/>
+                  <a:gd name="T52" fmla="*/ 120 w 264"/>
+                  <a:gd name="T53" fmla="*/ 235 h 277"/>
+                  <a:gd name="T54" fmla="*/ 95 w 264"/>
+                  <a:gd name="T55" fmla="*/ 248 h 277"/>
+                  <a:gd name="T56" fmla="*/ 69 w 264"/>
+                  <a:gd name="T57" fmla="*/ 236 h 277"/>
+                  <a:gd name="T58" fmla="*/ 63 w 264"/>
+                  <a:gd name="T59" fmla="*/ 201 h 277"/>
+                  <a:gd name="T60" fmla="*/ 71 w 264"/>
+                  <a:gd name="T61" fmla="*/ 167 h 277"/>
+                  <a:gd name="T62" fmla="*/ 96 w 264"/>
+                  <a:gd name="T63" fmla="*/ 154 h 277"/>
+                  <a:gd name="T64" fmla="*/ 122 w 264"/>
+                  <a:gd name="T65" fmla="*/ 166 h 277"/>
+                  <a:gd name="T66" fmla="*/ 128 w 264"/>
+                  <a:gd name="T67" fmla="*/ 201 h 277"/>
+                  <a:gd name="T68" fmla="*/ 198 w 264"/>
+                  <a:gd name="T69" fmla="*/ 243 h 277"/>
+                  <a:gd name="T70" fmla="*/ 196 w 264"/>
+                  <a:gd name="T71" fmla="*/ 246 h 277"/>
+                  <a:gd name="T72" fmla="*/ 145 w 264"/>
+                  <a:gd name="T73" fmla="*/ 246 h 277"/>
+                  <a:gd name="T74" fmla="*/ 143 w 264"/>
+                  <a:gd name="T75" fmla="*/ 245 h 277"/>
+                  <a:gd name="T76" fmla="*/ 142 w 264"/>
+                  <a:gd name="T77" fmla="*/ 239 h 277"/>
+                  <a:gd name="T78" fmla="*/ 143 w 264"/>
+                  <a:gd name="T79" fmla="*/ 234 h 277"/>
+                  <a:gd name="T80" fmla="*/ 145 w 264"/>
+                  <a:gd name="T81" fmla="*/ 232 h 277"/>
+                  <a:gd name="T82" fmla="*/ 162 w 264"/>
+                  <a:gd name="T83" fmla="*/ 173 h 277"/>
+                  <a:gd name="T84" fmla="*/ 145 w 264"/>
+                  <a:gd name="T85" fmla="*/ 182 h 277"/>
+                  <a:gd name="T86" fmla="*/ 142 w 264"/>
+                  <a:gd name="T87" fmla="*/ 180 h 277"/>
+                  <a:gd name="T88" fmla="*/ 142 w 264"/>
+                  <a:gd name="T89" fmla="*/ 173 h 277"/>
+                  <a:gd name="T90" fmla="*/ 143 w 264"/>
+                  <a:gd name="T91" fmla="*/ 169 h 277"/>
+                  <a:gd name="T92" fmla="*/ 164 w 264"/>
+                  <a:gd name="T93" fmla="*/ 156 h 277"/>
+                  <a:gd name="T94" fmla="*/ 167 w 264"/>
+                  <a:gd name="T95" fmla="*/ 155 h 277"/>
+                  <a:gd name="T96" fmla="*/ 172 w 264"/>
+                  <a:gd name="T97" fmla="*/ 155 h 277"/>
+                  <a:gd name="T98" fmla="*/ 179 w 264"/>
+                  <a:gd name="T99" fmla="*/ 155 h 277"/>
+                  <a:gd name="T100" fmla="*/ 180 w 264"/>
+                  <a:gd name="T101" fmla="*/ 157 h 277"/>
+                  <a:gd name="T102" fmla="*/ 195 w 264"/>
+                  <a:gd name="T103" fmla="*/ 232 h 277"/>
+                  <a:gd name="T104" fmla="*/ 197 w 264"/>
+                  <a:gd name="T105" fmla="*/ 234 h 277"/>
+                  <a:gd name="T106" fmla="*/ 198 w 264"/>
+                  <a:gd name="T107" fmla="*/ 239 h 277"/>
+                  <a:gd name="T108" fmla="*/ 199 w 264"/>
+                  <a:gd name="T109" fmla="*/ 96 h 277"/>
+                  <a:gd name="T110" fmla="*/ 183 w 264"/>
+                  <a:gd name="T111" fmla="*/ 120 h 277"/>
+                  <a:gd name="T112" fmla="*/ 152 w 264"/>
+                  <a:gd name="T113" fmla="*/ 120 h 277"/>
+                  <a:gd name="T114" fmla="*/ 137 w 264"/>
+                  <a:gd name="T115" fmla="*/ 96 h 277"/>
+                  <a:gd name="T116" fmla="*/ 138 w 264"/>
+                  <a:gd name="T117" fmla="*/ 57 h 277"/>
+                  <a:gd name="T118" fmla="*/ 154 w 264"/>
+                  <a:gd name="T119" fmla="*/ 33 h 277"/>
+                  <a:gd name="T120" fmla="*/ 185 w 264"/>
+                  <a:gd name="T121" fmla="*/ 32 h 277"/>
+                  <a:gd name="T122" fmla="*/ 199 w 264"/>
+                  <a:gd name="T123" fmla="*/ 56 h 277"/>
+                  <a:gd name="T124" fmla="*/ 199 w 264"/>
+                  <a:gd name="T125" fmla="*/ 96 h 277"/>
+                </a:gdLst>
+                <a:ahLst/>
+                <a:cxnLst>
+                  <a:cxn ang="0">
+                    <a:pos x="T0" y="T1"/>
+                  </a:cxn>
+                  <a:cxn ang="0">
+                    <a:pos x="T2" y="T3"/>
+                  </a:cxn>
+                  <a:cxn ang="0">
+                    <a:pos x="T4" y="T5"/>
+                  </a:cxn>
+                  <a:cxn ang="0">
+                    <a:pos x="T6" y="T7"/>
+                  </a:cxn>
+                  <a:cxn ang="0">
+                    <a:pos x="T8" y="T9"/>
+                  </a:cxn>
+                  <a:cxn ang="0">
+                    <a:pos x="T10" y="T11"/>
+                  </a:cxn>
+                  <a:cxn ang="0">
+                    <a:pos x="T12" y="T13"/>
+                  </a:cxn>
+                  <a:cxn ang="0">
+                    <a:pos x="T14" y="T15"/>
+                  </a:cxn>
+                  <a:cxn ang="0">
+                    <a:pos x="T16" y="T17"/>
+                  </a:cxn>
+                  <a:cxn ang="0">
+                    <a:pos x="T18" y="T19"/>
+                  </a:cxn>
+                  <a:cxn ang="0">
+                    <a:pos x="T20" y="T21"/>
+                  </a:cxn>
+                  <a:cxn ang="0">
+                    <a:pos x="T22" y="T23"/>
+                  </a:cxn>
+                  <a:cxn ang="0">
+                    <a:pos x="T24" y="T25"/>
+                  </a:cxn>
+                  <a:cxn ang="0">
+                    <a:pos x="T26" y="T27"/>
+                  </a:cxn>
+                  <a:cxn ang="0">
+                    <a:pos x="T28" y="T29"/>
+                  </a:cxn>
+                  <a:cxn ang="0">
+                    <a:pos x="T30" y="T31"/>
+                  </a:cxn>
+                  <a:cxn ang="0">
+                    <a:pos x="T32" y="T33"/>
+                  </a:cxn>
+                  <a:cxn ang="0">
+                    <a:pos x="T34" y="T35"/>
+                  </a:cxn>
+                  <a:cxn ang="0">
+                    <a:pos x="T36" y="T37"/>
+                  </a:cxn>
+                  <a:cxn ang="0">
+                    <a:pos x="T38" y="T39"/>
+                  </a:cxn>
+                  <a:cxn ang="0">
+                    <a:pos x="T40" y="T41"/>
+                  </a:cxn>
+                  <a:cxn ang="0">
+                    <a:pos x="T42" y="T43"/>
+                  </a:cxn>
+                  <a:cxn ang="0">
+                    <a:pos x="T44" y="T45"/>
+                  </a:cxn>
+                  <a:cxn ang="0">
+                    <a:pos x="T46" y="T47"/>
+                  </a:cxn>
+                  <a:cxn ang="0">
+                    <a:pos x="T48" y="T49"/>
+                  </a:cxn>
+                  <a:cxn ang="0">
+                    <a:pos x="T50" y="T51"/>
+                  </a:cxn>
+                  <a:cxn ang="0">
+                    <a:pos x="T52" y="T53"/>
+                  </a:cxn>
+                  <a:cxn ang="0">
+                    <a:pos x="T54" y="T55"/>
+                  </a:cxn>
+                  <a:cxn ang="0">
+                    <a:pos x="T56" y="T57"/>
+                  </a:cxn>
+                  <a:cxn ang="0">
+                    <a:pos x="T58" y="T59"/>
+                  </a:cxn>
+                  <a:cxn ang="0">
+                    <a:pos x="T60" y="T61"/>
+                  </a:cxn>
+                  <a:cxn ang="0">
+                    <a:pos x="T62" y="T63"/>
+                  </a:cxn>
+                  <a:cxn ang="0">
+                    <a:pos x="T64" y="T65"/>
+                  </a:cxn>
+                  <a:cxn ang="0">
+                    <a:pos x="T66" y="T67"/>
+                  </a:cxn>
+                  <a:cxn ang="0">
+                    <a:pos x="T68" y="T69"/>
+                  </a:cxn>
+                  <a:cxn ang="0">
+                    <a:pos x="T70" y="T71"/>
+                  </a:cxn>
+                  <a:cxn ang="0">
+                    <a:pos x="T72" y="T73"/>
+                  </a:cxn>
+                  <a:cxn ang="0">
+                    <a:pos x="T74" y="T75"/>
+                  </a:cxn>
+                  <a:cxn ang="0">
+                    <a:pos x="T76" y="T77"/>
+                  </a:cxn>
+                  <a:cxn ang="0">
+                    <a:pos x="T78" y="T79"/>
+                  </a:cxn>
+                  <a:cxn ang="0">
+                    <a:pos x="T80" y="T81"/>
+                  </a:cxn>
+                  <a:cxn ang="0">
+                    <a:pos x="T82" y="T83"/>
+                  </a:cxn>
+                  <a:cxn ang="0">
+                    <a:pos x="T84" y="T85"/>
+                  </a:cxn>
+                  <a:cxn ang="0">
+                    <a:pos x="T86" y="T87"/>
+                  </a:cxn>
+                  <a:cxn ang="0">
+                    <a:pos x="T88" y="T89"/>
+                  </a:cxn>
+                  <a:cxn ang="0">
+                    <a:pos x="T90" y="T91"/>
+                  </a:cxn>
+                  <a:cxn ang="0">
+                    <a:pos x="T92" y="T93"/>
+                  </a:cxn>
+                  <a:cxn ang="0">
+                    <a:pos x="T94" y="T95"/>
+                  </a:cxn>
+                  <a:cxn ang="0">
+                    <a:pos x="T96" y="T97"/>
+                  </a:cxn>
+                  <a:cxn ang="0">
+                    <a:pos x="T98" y="T99"/>
+                  </a:cxn>
+                  <a:cxn ang="0">
+                    <a:pos x="T100" y="T101"/>
+                  </a:cxn>
+                  <a:cxn ang="0">
+                    <a:pos x="T102" y="T103"/>
+                  </a:cxn>
+                  <a:cxn ang="0">
+                    <a:pos x="T104" y="T105"/>
+                  </a:cxn>
+                  <a:cxn ang="0">
+                    <a:pos x="T106" y="T107"/>
+                  </a:cxn>
+                  <a:cxn ang="0">
+                    <a:pos x="T108" y="T109"/>
+                  </a:cxn>
+                  <a:cxn ang="0">
+                    <a:pos x="T110" y="T111"/>
+                  </a:cxn>
+                  <a:cxn ang="0">
+                    <a:pos x="T112" y="T113"/>
+                  </a:cxn>
+                  <a:cxn ang="0">
+                    <a:pos x="T114" y="T115"/>
+                  </a:cxn>
+                  <a:cxn ang="0">
+                    <a:pos x="T116" y="T117"/>
+                  </a:cxn>
+                  <a:cxn ang="0">
+                    <a:pos x="T118" y="T119"/>
+                  </a:cxn>
+                  <a:cxn ang="0">
+                    <a:pos x="T120" y="T121"/>
+                  </a:cxn>
+                  <a:cxn ang="0">
+                    <a:pos x="T122" y="T123"/>
+                  </a:cxn>
+                  <a:cxn ang="0">
+                    <a:pos x="T124" y="T125"/>
+                  </a:cxn>
+                </a:cxnLst>
+                <a:rect l="0" t="0" r="r" b="b"/>
+                <a:pathLst>
+                  <a:path w="264" h="277">
+                    <a:moveTo>
+                      <a:pt x="213" y="1"/>
+                    </a:moveTo>
+                    <a:cubicBezTo>
+                      <a:pt x="207" y="0"/>
+                      <a:pt x="197" y="0"/>
+                      <a:pt x="187" y="0"/>
+                    </a:cubicBezTo>
+                    <a:lnTo>
+                      <a:pt x="18" y="0"/>
+                    </a:lnTo>
+                    <a:cubicBezTo>
+                      <a:pt x="8" y="0"/>
+                      <a:pt x="0" y="9"/>
+                      <a:pt x="0" y="19"/>
+                    </a:cubicBezTo>
+                    <a:lnTo>
+                      <a:pt x="0" y="258"/>
+                    </a:lnTo>
+                    <a:cubicBezTo>
+                      <a:pt x="0" y="268"/>
+                      <a:pt x="8" y="277"/>
+                      <a:pt x="18" y="277"/>
+                    </a:cubicBezTo>
+                    <a:lnTo>
+                      <a:pt x="245" y="277"/>
+                    </a:lnTo>
+                    <a:cubicBezTo>
+                      <a:pt x="255" y="277"/>
+                      <a:pt x="264" y="268"/>
+                      <a:pt x="264" y="258"/>
+                    </a:cubicBezTo>
+                    <a:lnTo>
+                      <a:pt x="264" y="53"/>
+                    </a:lnTo>
+                    <a:lnTo>
+                      <a:pt x="213" y="53"/>
+                    </a:lnTo>
+                    <a:lnTo>
+                      <a:pt x="213" y="1"/>
+                    </a:lnTo>
+                    <a:lnTo>
+                      <a:pt x="213" y="1"/>
+                    </a:lnTo>
+                    <a:close/>
+                    <a:moveTo>
+                      <a:pt x="69" y="48"/>
+                    </a:moveTo>
+                    <a:cubicBezTo>
+                      <a:pt x="69" y="47"/>
+                      <a:pt x="70" y="47"/>
+                      <a:pt x="70" y="46"/>
+                    </a:cubicBezTo>
+                    <a:cubicBezTo>
+                      <a:pt x="70" y="46"/>
+                      <a:pt x="70" y="45"/>
+                      <a:pt x="71" y="45"/>
+                    </a:cubicBezTo>
+                    <a:cubicBezTo>
+                      <a:pt x="71" y="45"/>
+                      <a:pt x="71" y="44"/>
+                      <a:pt x="72" y="44"/>
+                    </a:cubicBezTo>
+                    <a:lnTo>
+                      <a:pt x="91" y="31"/>
+                    </a:lnTo>
+                    <a:cubicBezTo>
+                      <a:pt x="92" y="31"/>
+                      <a:pt x="92" y="31"/>
+                      <a:pt x="92" y="31"/>
+                    </a:cubicBezTo>
+                    <a:cubicBezTo>
+                      <a:pt x="93" y="31"/>
+                      <a:pt x="93" y="31"/>
+                      <a:pt x="94" y="30"/>
+                    </a:cubicBezTo>
+                    <a:cubicBezTo>
+                      <a:pt x="94" y="30"/>
+                      <a:pt x="95" y="30"/>
+                      <a:pt x="96" y="30"/>
+                    </a:cubicBezTo>
+                    <a:cubicBezTo>
+                      <a:pt x="97" y="30"/>
+                      <a:pt x="98" y="30"/>
+                      <a:pt x="99" y="30"/>
+                    </a:cubicBezTo>
+                    <a:cubicBezTo>
+                      <a:pt x="101" y="30"/>
+                      <a:pt x="103" y="30"/>
+                      <a:pt x="104" y="30"/>
+                    </a:cubicBezTo>
+                    <a:cubicBezTo>
+                      <a:pt x="105" y="30"/>
+                      <a:pt x="106" y="31"/>
+                      <a:pt x="106" y="31"/>
+                    </a:cubicBezTo>
+                    <a:cubicBezTo>
+                      <a:pt x="107" y="31"/>
+                      <a:pt x="107" y="31"/>
+                      <a:pt x="107" y="31"/>
+                    </a:cubicBezTo>
+                    <a:cubicBezTo>
+                      <a:pt x="108" y="32"/>
+                      <a:pt x="108" y="32"/>
+                      <a:pt x="108" y="32"/>
+                    </a:cubicBezTo>
+                    <a:lnTo>
+                      <a:pt x="108" y="108"/>
+                    </a:lnTo>
+                    <a:lnTo>
+                      <a:pt x="122" y="108"/>
+                    </a:lnTo>
+                    <a:cubicBezTo>
+                      <a:pt x="123" y="108"/>
+                      <a:pt x="123" y="108"/>
+                      <a:pt x="124" y="108"/>
+                    </a:cubicBezTo>
+                    <a:cubicBezTo>
+                      <a:pt x="124" y="108"/>
+                      <a:pt x="124" y="109"/>
+                      <a:pt x="124" y="109"/>
+                    </a:cubicBezTo>
+                    <a:cubicBezTo>
+                      <a:pt x="125" y="110"/>
+                      <a:pt x="125" y="110"/>
+                      <a:pt x="125" y="111"/>
+                    </a:cubicBezTo>
+                    <a:cubicBezTo>
+                      <a:pt x="125" y="112"/>
+                      <a:pt x="125" y="113"/>
+                      <a:pt x="125" y="115"/>
+                    </a:cubicBezTo>
+                    <a:cubicBezTo>
+                      <a:pt x="125" y="116"/>
+                      <a:pt x="125" y="117"/>
+                      <a:pt x="125" y="118"/>
+                    </a:cubicBezTo>
+                    <a:cubicBezTo>
+                      <a:pt x="125" y="119"/>
+                      <a:pt x="125" y="120"/>
+                      <a:pt x="124" y="120"/>
+                    </a:cubicBezTo>
+                    <a:cubicBezTo>
+                      <a:pt x="124" y="121"/>
+                      <a:pt x="124" y="121"/>
+                      <a:pt x="124" y="121"/>
+                    </a:cubicBezTo>
+                    <a:cubicBezTo>
+                      <a:pt x="123" y="122"/>
+                      <a:pt x="123" y="122"/>
+                      <a:pt x="122" y="122"/>
+                    </a:cubicBezTo>
+                    <a:lnTo>
+                      <a:pt x="72" y="122"/>
+                    </a:lnTo>
+                    <a:cubicBezTo>
+                      <a:pt x="72" y="122"/>
+                      <a:pt x="72" y="122"/>
+                      <a:pt x="71" y="121"/>
+                    </a:cubicBezTo>
+                    <a:cubicBezTo>
+                      <a:pt x="71" y="121"/>
+                      <a:pt x="71" y="121"/>
+                      <a:pt x="70" y="120"/>
+                    </a:cubicBezTo>
+                    <a:cubicBezTo>
+                      <a:pt x="70" y="120"/>
+                      <a:pt x="70" y="119"/>
+                      <a:pt x="70" y="118"/>
+                    </a:cubicBezTo>
+                    <a:cubicBezTo>
+                      <a:pt x="70" y="117"/>
+                      <a:pt x="70" y="116"/>
+                      <a:pt x="70" y="115"/>
+                    </a:cubicBezTo>
+                    <a:cubicBezTo>
+                      <a:pt x="70" y="113"/>
+                      <a:pt x="70" y="112"/>
+                      <a:pt x="70" y="111"/>
+                    </a:cubicBezTo>
+                    <a:cubicBezTo>
+                      <a:pt x="70" y="110"/>
+                      <a:pt x="70" y="110"/>
+                      <a:pt x="70" y="109"/>
+                    </a:cubicBezTo>
+                    <a:cubicBezTo>
+                      <a:pt x="71" y="109"/>
+                      <a:pt x="71" y="108"/>
+                      <a:pt x="71" y="108"/>
+                    </a:cubicBezTo>
+                    <a:cubicBezTo>
+                      <a:pt x="72" y="108"/>
+                      <a:pt x="72" y="108"/>
+                      <a:pt x="72" y="108"/>
+                    </a:cubicBezTo>
+                    <a:lnTo>
+                      <a:pt x="89" y="108"/>
+                    </a:lnTo>
+                    <a:lnTo>
+                      <a:pt x="89" y="48"/>
+                    </a:lnTo>
+                    <a:lnTo>
+                      <a:pt x="75" y="56"/>
+                    </a:lnTo>
+                    <a:cubicBezTo>
+                      <a:pt x="74" y="57"/>
+                      <a:pt x="73" y="57"/>
+                      <a:pt x="72" y="57"/>
+                    </a:cubicBezTo>
+                    <a:cubicBezTo>
+                      <a:pt x="71" y="58"/>
+                      <a:pt x="71" y="57"/>
+                      <a:pt x="70" y="57"/>
+                    </a:cubicBezTo>
+                    <a:cubicBezTo>
+                      <a:pt x="70" y="57"/>
+                      <a:pt x="70" y="56"/>
+                      <a:pt x="70" y="55"/>
+                    </a:cubicBezTo>
+                    <a:cubicBezTo>
+                      <a:pt x="69" y="54"/>
+                      <a:pt x="69" y="53"/>
+                      <a:pt x="69" y="51"/>
+                    </a:cubicBezTo>
+                    <a:cubicBezTo>
+                      <a:pt x="69" y="50"/>
+                      <a:pt x="69" y="49"/>
+                      <a:pt x="69" y="48"/>
+                    </a:cubicBezTo>
+                    <a:close/>
+                    <a:moveTo>
+                      <a:pt x="126" y="220"/>
+                    </a:moveTo>
+                    <a:cubicBezTo>
+                      <a:pt x="125" y="226"/>
+                      <a:pt x="123" y="231"/>
+                      <a:pt x="120" y="235"/>
+                    </a:cubicBezTo>
+                    <a:cubicBezTo>
+                      <a:pt x="118" y="239"/>
+                      <a:pt x="114" y="242"/>
+                      <a:pt x="110" y="245"/>
+                    </a:cubicBezTo>
+                    <a:cubicBezTo>
+                      <a:pt x="106" y="247"/>
+                      <a:pt x="101" y="248"/>
+                      <a:pt x="95" y="248"/>
+                    </a:cubicBezTo>
+                    <a:cubicBezTo>
+                      <a:pt x="88" y="248"/>
+                      <a:pt x="83" y="247"/>
+                      <a:pt x="79" y="245"/>
+                    </a:cubicBezTo>
+                    <a:cubicBezTo>
+                      <a:pt x="75" y="243"/>
+                      <a:pt x="72" y="240"/>
+                      <a:pt x="69" y="236"/>
+                    </a:cubicBezTo>
+                    <a:cubicBezTo>
+                      <a:pt x="67" y="232"/>
+                      <a:pt x="65" y="227"/>
+                      <a:pt x="64" y="221"/>
+                    </a:cubicBezTo>
+                    <a:cubicBezTo>
+                      <a:pt x="63" y="215"/>
+                      <a:pt x="63" y="209"/>
+                      <a:pt x="63" y="201"/>
+                    </a:cubicBezTo>
+                    <a:cubicBezTo>
+                      <a:pt x="63" y="194"/>
+                      <a:pt x="64" y="187"/>
+                      <a:pt x="65" y="182"/>
+                    </a:cubicBezTo>
+                    <a:cubicBezTo>
+                      <a:pt x="66" y="176"/>
+                      <a:pt x="68" y="171"/>
+                      <a:pt x="71" y="167"/>
+                    </a:cubicBezTo>
+                    <a:cubicBezTo>
+                      <a:pt x="73" y="163"/>
+                      <a:pt x="77" y="159"/>
+                      <a:pt x="81" y="157"/>
+                    </a:cubicBezTo>
+                    <a:cubicBezTo>
+                      <a:pt x="85" y="155"/>
+                      <a:pt x="90" y="154"/>
+                      <a:pt x="96" y="154"/>
+                    </a:cubicBezTo>
+                    <a:cubicBezTo>
+                      <a:pt x="103" y="154"/>
+                      <a:pt x="108" y="155"/>
+                      <a:pt x="112" y="157"/>
+                    </a:cubicBezTo>
+                    <a:cubicBezTo>
+                      <a:pt x="116" y="159"/>
+                      <a:pt x="119" y="162"/>
+                      <a:pt x="122" y="166"/>
+                    </a:cubicBezTo>
+                    <a:cubicBezTo>
+                      <a:pt x="124" y="170"/>
+                      <a:pt x="126" y="175"/>
+                      <a:pt x="126" y="181"/>
+                    </a:cubicBezTo>
+                    <a:cubicBezTo>
+                      <a:pt x="127" y="187"/>
+                      <a:pt x="128" y="193"/>
+                      <a:pt x="128" y="201"/>
+                    </a:cubicBezTo>
+                    <a:cubicBezTo>
+                      <a:pt x="128" y="208"/>
+                      <a:pt x="127" y="214"/>
+                      <a:pt x="126" y="220"/>
+                    </a:cubicBezTo>
+                    <a:close/>
+                    <a:moveTo>
+                      <a:pt x="198" y="243"/>
+                    </a:moveTo>
+                    <a:cubicBezTo>
+                      <a:pt x="198" y="244"/>
+                      <a:pt x="198" y="244"/>
+                      <a:pt x="197" y="245"/>
+                    </a:cubicBezTo>
+                    <a:cubicBezTo>
+                      <a:pt x="197" y="245"/>
+                      <a:pt x="197" y="246"/>
+                      <a:pt x="196" y="246"/>
+                    </a:cubicBezTo>
+                    <a:cubicBezTo>
+                      <a:pt x="196" y="246"/>
+                      <a:pt x="196" y="246"/>
+                      <a:pt x="195" y="246"/>
+                    </a:cubicBezTo>
+                    <a:lnTo>
+                      <a:pt x="145" y="246"/>
+                    </a:lnTo>
+                    <a:cubicBezTo>
+                      <a:pt x="145" y="246"/>
+                      <a:pt x="144" y="246"/>
+                      <a:pt x="144" y="246"/>
+                    </a:cubicBezTo>
+                    <a:cubicBezTo>
+                      <a:pt x="144" y="246"/>
+                      <a:pt x="143" y="245"/>
+                      <a:pt x="143" y="245"/>
+                    </a:cubicBezTo>
+                    <a:cubicBezTo>
+                      <a:pt x="143" y="244"/>
+                      <a:pt x="143" y="244"/>
+                      <a:pt x="143" y="243"/>
+                    </a:cubicBezTo>
+                    <a:cubicBezTo>
+                      <a:pt x="142" y="242"/>
+                      <a:pt x="142" y="241"/>
+                      <a:pt x="142" y="239"/>
+                    </a:cubicBezTo>
+                    <a:cubicBezTo>
+                      <a:pt x="142" y="238"/>
+                      <a:pt x="142" y="237"/>
+                      <a:pt x="143" y="236"/>
+                    </a:cubicBezTo>
+                    <a:cubicBezTo>
+                      <a:pt x="143" y="235"/>
+                      <a:pt x="143" y="234"/>
+                      <a:pt x="143" y="234"/>
+                    </a:cubicBezTo>
+                    <a:cubicBezTo>
+                      <a:pt x="143" y="233"/>
+                      <a:pt x="144" y="233"/>
+                      <a:pt x="144" y="232"/>
+                    </a:cubicBezTo>
+                    <a:cubicBezTo>
+                      <a:pt x="144" y="232"/>
+                      <a:pt x="145" y="232"/>
+                      <a:pt x="145" y="232"/>
+                    </a:cubicBezTo>
+                    <a:lnTo>
+                      <a:pt x="162" y="232"/>
+                    </a:lnTo>
+                    <a:lnTo>
+                      <a:pt x="162" y="173"/>
+                    </a:lnTo>
+                    <a:lnTo>
+                      <a:pt x="147" y="181"/>
+                    </a:lnTo>
+                    <a:cubicBezTo>
+                      <a:pt x="146" y="182"/>
+                      <a:pt x="146" y="182"/>
+                      <a:pt x="145" y="182"/>
+                    </a:cubicBezTo>
+                    <a:cubicBezTo>
+                      <a:pt x="144" y="182"/>
+                      <a:pt x="144" y="182"/>
+                      <a:pt x="143" y="182"/>
+                    </a:cubicBezTo>
+                    <a:cubicBezTo>
+                      <a:pt x="143" y="181"/>
+                      <a:pt x="143" y="180"/>
+                      <a:pt x="142" y="180"/>
+                    </a:cubicBezTo>
+                    <a:cubicBezTo>
+                      <a:pt x="142" y="179"/>
+                      <a:pt x="142" y="177"/>
+                      <a:pt x="142" y="175"/>
+                    </a:cubicBezTo>
+                    <a:cubicBezTo>
+                      <a:pt x="142" y="174"/>
+                      <a:pt x="142" y="173"/>
+                      <a:pt x="142" y="173"/>
+                    </a:cubicBezTo>
+                    <a:cubicBezTo>
+                      <a:pt x="142" y="172"/>
+                      <a:pt x="142" y="171"/>
+                      <a:pt x="143" y="171"/>
+                    </a:cubicBezTo>
+                    <a:cubicBezTo>
+                      <a:pt x="143" y="170"/>
+                      <a:pt x="143" y="170"/>
+                      <a:pt x="143" y="169"/>
+                    </a:cubicBezTo>
+                    <a:cubicBezTo>
+                      <a:pt x="144" y="169"/>
+                      <a:pt x="144" y="169"/>
+                      <a:pt x="145" y="168"/>
+                    </a:cubicBezTo>
+                    <a:lnTo>
+                      <a:pt x="164" y="156"/>
+                    </a:lnTo>
+                    <a:cubicBezTo>
+                      <a:pt x="164" y="156"/>
+                      <a:pt x="165" y="155"/>
+                      <a:pt x="165" y="155"/>
+                    </a:cubicBezTo>
+                    <a:cubicBezTo>
+                      <a:pt x="165" y="155"/>
+                      <a:pt x="166" y="155"/>
+                      <a:pt x="167" y="155"/>
+                    </a:cubicBezTo>
+                    <a:cubicBezTo>
+                      <a:pt x="167" y="155"/>
+                      <a:pt x="168" y="155"/>
+                      <a:pt x="169" y="155"/>
+                    </a:cubicBezTo>
+                    <a:cubicBezTo>
+                      <a:pt x="170" y="155"/>
+                      <a:pt x="171" y="155"/>
+                      <a:pt x="172" y="155"/>
+                    </a:cubicBezTo>
+                    <a:cubicBezTo>
+                      <a:pt x="174" y="155"/>
+                      <a:pt x="175" y="155"/>
+                      <a:pt x="177" y="155"/>
+                    </a:cubicBezTo>
+                    <a:cubicBezTo>
+                      <a:pt x="178" y="155"/>
+                      <a:pt x="179" y="155"/>
+                      <a:pt x="179" y="155"/>
+                    </a:cubicBezTo>
+                    <a:cubicBezTo>
+                      <a:pt x="180" y="155"/>
+                      <a:pt x="180" y="156"/>
+                      <a:pt x="180" y="156"/>
+                    </a:cubicBezTo>
+                    <a:cubicBezTo>
+                      <a:pt x="180" y="156"/>
+                      <a:pt x="180" y="157"/>
+                      <a:pt x="180" y="157"/>
+                    </a:cubicBezTo>
+                    <a:lnTo>
+                      <a:pt x="180" y="232"/>
+                    </a:lnTo>
+                    <a:lnTo>
+                      <a:pt x="195" y="232"/>
+                    </a:lnTo>
+                    <a:cubicBezTo>
+                      <a:pt x="196" y="232"/>
+                      <a:pt x="196" y="232"/>
+                      <a:pt x="196" y="232"/>
+                    </a:cubicBezTo>
+                    <a:cubicBezTo>
+                      <a:pt x="197" y="233"/>
+                      <a:pt x="197" y="233"/>
+                      <a:pt x="197" y="234"/>
+                    </a:cubicBezTo>
+                    <a:cubicBezTo>
+                      <a:pt x="198" y="234"/>
+                      <a:pt x="198" y="235"/>
+                      <a:pt x="198" y="236"/>
+                    </a:cubicBezTo>
+                    <a:cubicBezTo>
+                      <a:pt x="198" y="237"/>
+                      <a:pt x="198" y="238"/>
+                      <a:pt x="198" y="239"/>
+                    </a:cubicBezTo>
+                    <a:cubicBezTo>
+                      <a:pt x="198" y="241"/>
+                      <a:pt x="198" y="242"/>
+                      <a:pt x="198" y="243"/>
+                    </a:cubicBezTo>
+                    <a:close/>
+                    <a:moveTo>
+                      <a:pt x="199" y="96"/>
+                    </a:moveTo>
+                    <a:cubicBezTo>
+                      <a:pt x="198" y="101"/>
+                      <a:pt x="196" y="106"/>
+                      <a:pt x="193" y="111"/>
+                    </a:cubicBezTo>
+                    <a:cubicBezTo>
+                      <a:pt x="191" y="115"/>
+                      <a:pt x="187" y="118"/>
+                      <a:pt x="183" y="120"/>
+                    </a:cubicBezTo>
+                    <a:cubicBezTo>
+                      <a:pt x="179" y="122"/>
+                      <a:pt x="174" y="123"/>
+                      <a:pt x="167" y="123"/>
+                    </a:cubicBezTo>
+                    <a:cubicBezTo>
+                      <a:pt x="161" y="123"/>
+                      <a:pt x="156" y="122"/>
+                      <a:pt x="152" y="120"/>
+                    </a:cubicBezTo>
+                    <a:cubicBezTo>
+                      <a:pt x="148" y="118"/>
+                      <a:pt x="145" y="115"/>
+                      <a:pt x="142" y="111"/>
+                    </a:cubicBezTo>
+                    <a:cubicBezTo>
+                      <a:pt x="140" y="107"/>
+                      <a:pt x="138" y="102"/>
+                      <a:pt x="137" y="96"/>
+                    </a:cubicBezTo>
+                    <a:cubicBezTo>
+                      <a:pt x="136" y="90"/>
+                      <a:pt x="136" y="84"/>
+                      <a:pt x="136" y="77"/>
+                    </a:cubicBezTo>
+                    <a:cubicBezTo>
+                      <a:pt x="136" y="69"/>
+                      <a:pt x="136" y="63"/>
+                      <a:pt x="138" y="57"/>
+                    </a:cubicBezTo>
+                    <a:cubicBezTo>
+                      <a:pt x="139" y="51"/>
+                      <a:pt x="141" y="46"/>
+                      <a:pt x="143" y="42"/>
+                    </a:cubicBezTo>
+                    <a:cubicBezTo>
+                      <a:pt x="146" y="38"/>
+                      <a:pt x="149" y="35"/>
+                      <a:pt x="154" y="33"/>
+                    </a:cubicBezTo>
+                    <a:cubicBezTo>
+                      <a:pt x="158" y="30"/>
+                      <a:pt x="163" y="29"/>
+                      <a:pt x="169" y="29"/>
+                    </a:cubicBezTo>
+                    <a:cubicBezTo>
+                      <a:pt x="175" y="29"/>
+                      <a:pt x="181" y="30"/>
+                      <a:pt x="185" y="32"/>
+                    </a:cubicBezTo>
+                    <a:cubicBezTo>
+                      <a:pt x="189" y="35"/>
+                      <a:pt x="192" y="38"/>
+                      <a:pt x="194" y="42"/>
+                    </a:cubicBezTo>
+                    <a:cubicBezTo>
+                      <a:pt x="197" y="46"/>
+                      <a:pt x="198" y="51"/>
+                      <a:pt x="199" y="56"/>
+                    </a:cubicBezTo>
+                    <a:cubicBezTo>
+                      <a:pt x="200" y="62"/>
+                      <a:pt x="201" y="69"/>
+                      <a:pt x="201" y="76"/>
+                    </a:cubicBezTo>
+                    <a:cubicBezTo>
+                      <a:pt x="201" y="83"/>
+                      <a:pt x="200" y="90"/>
+                      <a:pt x="199" y="96"/>
+                    </a:cubicBezTo>
+                    <a:close/>
+                  </a:path>
+                </a:pathLst>
+              </a:custGeom>
+              <a:solidFill>
+                <a:srgbClr val="0078D7"/>
+              </a:solidFill>
+              <a:ln w="0">
+                <a:noFill/>
+                <a:prstDash val="solid"/>
+                <a:round/>
+                <a:headEnd/>
+                <a:tailEnd/>
+              </a:ln>
+            </p:spPr>
+            <p:txBody>
+              <a:bodyPr vert="horz" wrap="square" lIns="91440" tIns="45720" rIns="91440" bIns="45720" numCol="1" anchor="t" anchorCtr="0" compatLnSpc="1">
+                <a:prstTxWarp prst="textNoShape">
+                  <a:avLst/>
+                </a:prstTxWarp>
+              </a:bodyPr>
+              <a:lstStyle/>
+              <a:p>
+                <a:endParaRPr lang="de-DE" sz="1200"/>
+              </a:p>
+            </p:txBody>
+          </p:sp>
+        </p:grpSp>
+      </p:grpSp>
+      <p:cxnSp>
+        <p:nvCxnSpPr>
+          <p:cNvPr id="134" name="Straight Arrow Connector 133"/>
+          <p:cNvCxnSpPr>
+            <a:stCxn id="7" idx="5"/>
+            <a:endCxn id="117" idx="1"/>
+          </p:cNvCxnSpPr>
+          <p:nvPr/>
+        </p:nvCxnSpPr>
+        <p:spPr>
+          <a:xfrm flipV="1">
+            <a:off x="7522774" y="2634132"/>
+            <a:ext cx="1186854" cy="1"/>
+          </a:xfrm>
+          <a:prstGeom prst="straightConnector1">
+            <a:avLst/>
+          </a:prstGeom>
+          <a:ln w="19050">
+            <a:tailEnd type="triangle"/>
+          </a:ln>
+        </p:spPr>
+        <p:style>
+          <a:lnRef idx="3">
+            <a:schemeClr val="dk1"/>
+          </a:lnRef>
+          <a:fillRef idx="0">
+            <a:schemeClr val="dk1"/>
+          </a:fillRef>
+          <a:effectRef idx="2">
+            <a:schemeClr val="dk1"/>
+          </a:effectRef>
+          <a:fontRef idx="minor">
+            <a:schemeClr val="tx1"/>
+          </a:fontRef>
+        </p:style>
+      </p:cxnSp>
+      <p:sp>
+        <p:nvSpPr>
+          <p:cNvPr id="155" name="Rectangle 154"/>
+          <p:cNvSpPr/>
+          <p:nvPr/>
+        </p:nvSpPr>
+        <p:spPr>
+          <a:xfrm>
+            <a:off x="1644086" y="3072884"/>
+            <a:ext cx="1060216" cy="733372"/>
+          </a:xfrm>
+          <a:prstGeom prst="rect">
+            <a:avLst/>
+          </a:prstGeom>
+          <a:solidFill>
+            <a:srgbClr val="D7D7D7"/>
+          </a:solidFill>
+          <a:ln w="38100">
+            <a:solidFill>
+              <a:srgbClr val="3398DB"/>
+            </a:solidFill>
+            <a:miter lim="800000"/>
+            <a:headEnd/>
+            <a:tailEnd/>
+          </a:ln>
+        </p:spPr>
+        <p:txBody>
+          <a:bodyPr vert="horz" wrap="square" lIns="91440" tIns="45720" rIns="91440" bIns="45720" numCol="1" anchor="ctr" anchorCtr="0" compatLnSpc="1">
+            <a:prstTxWarp prst="textNoShape">
+              <a:avLst/>
+            </a:prstTxWarp>
+          </a:bodyPr>
+          <a:lstStyle/>
+          <a:p>
+            <a:pPr algn="ctr"/>
+            <a:r>
+              <a:rPr lang="en-US" sz="1200" dirty="0">
+                <a:solidFill>
+                  <a:schemeClr val="tx1"/>
+                </a:solidFill>
+              </a:rPr>
+              <a:t>Visual Studio Load Tests</a:t>
+            </a:r>
+            <a:endParaRPr lang="de-DE" sz="1200" dirty="0">
+              <a:solidFill>
+                <a:schemeClr val="tx1"/>
+              </a:solidFill>
+            </a:endParaRPr>
+          </a:p>
+        </p:txBody>
+      </p:sp>
+      <p:cxnSp>
+        <p:nvCxnSpPr>
+          <p:cNvPr id="161" name="Straight Arrow Connector 160"/>
+          <p:cNvCxnSpPr>
+            <a:stCxn id="155" idx="3"/>
+            <a:endCxn id="10" idx="2"/>
+          </p:cNvCxnSpPr>
+          <p:nvPr/>
+        </p:nvCxnSpPr>
+        <p:spPr>
+          <a:xfrm>
+            <a:off x="2704302" y="3439570"/>
+            <a:ext cx="1625365" cy="20848"/>
+          </a:xfrm>
+          <a:prstGeom prst="straightConnector1">
+            <a:avLst/>
+          </a:prstGeom>
+          <a:ln w="19050">
+            <a:tailEnd type="triangle"/>
+          </a:ln>
+        </p:spPr>
+        <p:style>
+          <a:lnRef idx="3">
+            <a:schemeClr val="dk1"/>
+          </a:lnRef>
+          <a:fillRef idx="0">
+            <a:schemeClr val="dk1"/>
+          </a:fillRef>
+          <a:effectRef idx="2">
+            <a:schemeClr val="dk1"/>
+          </a:effectRef>
+          <a:fontRef idx="minor">
+            <a:schemeClr val="tx1"/>
+          </a:fontRef>
+        </p:style>
+      </p:cxnSp>
+      <p:sp>
+        <p:nvSpPr>
+          <p:cNvPr id="24" name="Title 23"/>
+          <p:cNvSpPr>
+            <a:spLocks noGrp="1"/>
+          </p:cNvSpPr>
+          <p:nvPr>
+            <p:ph type="title"/>
+          </p:nvPr>
+        </p:nvSpPr>
+        <p:spPr>
+          <a:xfrm>
+            <a:off x="838200" y="365126"/>
+            <a:ext cx="10515600" cy="812846"/>
+          </a:xfrm>
+        </p:spPr>
+        <p:txBody>
+          <a:bodyPr/>
+          <a:lstStyle/>
+          <a:p>
+            <a:r>
+              <a:rPr lang="en-US" dirty="0"/>
+              <a:t>The Road Runners Architecture v1</a:t>
+            </a:r>
+            <a:endParaRPr lang="de-DE" dirty="0"/>
+          </a:p>
+        </p:txBody>
+      </p:sp>
+      <p:sp>
+        <p:nvSpPr>
+          <p:cNvPr id="103" name="Rectangular Callout 102"/>
+          <p:cNvSpPr/>
+          <p:nvPr/>
+        </p:nvSpPr>
+        <p:spPr>
+          <a:xfrm>
+            <a:off x="3015213" y="2648255"/>
+            <a:ext cx="833728" cy="196798"/>
+          </a:xfrm>
+          <a:prstGeom prst="wedgeRectCallout">
+            <a:avLst>
+              <a:gd name="adj1" fmla="val -43358"/>
+              <a:gd name="adj2" fmla="val 329204"/>
+            </a:avLst>
+          </a:prstGeom>
+        </p:spPr>
+        <p:style>
+          <a:lnRef idx="2">
+            <a:schemeClr val="dk1"/>
+          </a:lnRef>
+          <a:fillRef idx="1">
+            <a:schemeClr val="lt1"/>
+          </a:fillRef>
+          <a:effectRef idx="0">
+            <a:schemeClr val="dk1"/>
+          </a:effectRef>
+          <a:fontRef idx="minor">
+            <a:schemeClr val="dk1"/>
+          </a:fontRef>
+        </p:style>
+        <p:txBody>
+          <a:bodyPr rtlCol="0" anchor="ctr"/>
+          <a:lstStyle/>
+          <a:p>
+            <a:pPr algn="ctr"/>
+            <a:r>
+              <a:rPr lang="en-US" sz="1050" dirty="0"/>
+              <a:t>HTTP POSTs</a:t>
+            </a:r>
+            <a:endParaRPr lang="de-DE" sz="1050" dirty="0"/>
+          </a:p>
+        </p:txBody>
+      </p:sp>
+      <p:sp>
+        <p:nvSpPr>
+          <p:cNvPr id="4" name="Folded Corner 3"/>
+          <p:cNvSpPr/>
+          <p:nvPr/>
+        </p:nvSpPr>
+        <p:spPr>
+          <a:xfrm>
+            <a:off x="2750216" y="3965848"/>
+            <a:ext cx="990168" cy="621281"/>
+          </a:xfrm>
+          <a:prstGeom prst="foldedCorner">
+            <a:avLst/>
+          </a:prstGeom>
+        </p:spPr>
+        <p:style>
+          <a:lnRef idx="2">
+            <a:schemeClr val="dk1"/>
+          </a:lnRef>
+          <a:fillRef idx="1">
+            <a:schemeClr val="lt1"/>
+          </a:fillRef>
+          <a:effectRef idx="0">
+            <a:schemeClr val="dk1"/>
+          </a:effectRef>
+          <a:fontRef idx="minor">
+            <a:schemeClr val="dk1"/>
+          </a:fontRef>
+        </p:style>
+        <p:txBody>
+          <a:bodyPr rtlCol="0" anchor="t"/>
+          <a:lstStyle/>
+          <a:p>
+            <a:pPr marL="85725" indent="-85725">
+              <a:buFont typeface="Arial" panose="020B0604020202020204" pitchFamily="34" charset="0"/>
+              <a:buChar char="•"/>
+            </a:pPr>
+            <a:r>
+              <a:rPr lang="en-US" sz="1100" dirty="0" err="1"/>
+              <a:t>LicensePlate</a:t>
+            </a:r>
+            <a:endParaRPr lang="en-US" sz="1100" dirty="0"/>
+          </a:p>
+          <a:p>
+            <a:pPr marL="85725" indent="-85725">
+              <a:buFont typeface="Arial" panose="020B0604020202020204" pitchFamily="34" charset="0"/>
+              <a:buChar char="•"/>
+            </a:pPr>
+            <a:r>
+              <a:rPr lang="en-US" sz="1100" dirty="0" err="1"/>
+              <a:t>StreetID</a:t>
+            </a:r>
+            <a:endParaRPr lang="en-US" sz="1100" dirty="0"/>
+          </a:p>
+          <a:p>
+            <a:pPr marL="85725" indent="-85725">
+              <a:buFont typeface="Arial" panose="020B0604020202020204" pitchFamily="34" charset="0"/>
+              <a:buChar char="•"/>
+            </a:pPr>
+            <a:r>
+              <a:rPr lang="en-US" sz="1100" dirty="0"/>
+              <a:t>Start / End</a:t>
+            </a:r>
+            <a:endParaRPr lang="de-DE" sz="1100" dirty="0"/>
+          </a:p>
+        </p:txBody>
+      </p:sp>
+      <p:sp>
+        <p:nvSpPr>
+          <p:cNvPr id="5" name="Rectangle 4"/>
+          <p:cNvSpPr/>
+          <p:nvPr/>
+        </p:nvSpPr>
+        <p:spPr>
+          <a:xfrm>
+            <a:off x="5011299" y="2897818"/>
+            <a:ext cx="864254" cy="441601"/>
+          </a:xfrm>
+          <a:prstGeom prst="rect">
+            <a:avLst/>
+          </a:prstGeom>
+        </p:spPr>
+        <p:style>
+          <a:lnRef idx="2">
+            <a:schemeClr val="dk1"/>
+          </a:lnRef>
+          <a:fillRef idx="1">
+            <a:schemeClr val="lt1"/>
+          </a:fillRef>
+          <a:effectRef idx="0">
+            <a:schemeClr val="dk1"/>
+          </a:effectRef>
+          <a:fontRef idx="minor">
+            <a:schemeClr val="dk1"/>
+          </a:fontRef>
+        </p:style>
+        <p:txBody>
+          <a:bodyPr rtlCol="0" anchor="ctr"/>
+          <a:lstStyle/>
+          <a:p>
+            <a:pPr algn="ctr"/>
+            <a:r>
+              <a:rPr lang="en-US" sz="1200" dirty="0"/>
+              <a:t>Web API</a:t>
+            </a:r>
+            <a:endParaRPr lang="de-DE" sz="1200" dirty="0"/>
+          </a:p>
+        </p:txBody>
+      </p:sp>
+      <p:sp>
+        <p:nvSpPr>
+          <p:cNvPr id="58" name="Rectangle 57"/>
+          <p:cNvSpPr/>
+          <p:nvPr/>
+        </p:nvSpPr>
+        <p:spPr>
+          <a:xfrm>
+            <a:off x="5011299" y="3481587"/>
+            <a:ext cx="864254" cy="441601"/>
+          </a:xfrm>
+          <a:prstGeom prst="rect">
+            <a:avLst/>
+          </a:prstGeom>
+        </p:spPr>
+        <p:style>
+          <a:lnRef idx="2">
+            <a:schemeClr val="dk1"/>
+          </a:lnRef>
+          <a:fillRef idx="1">
+            <a:schemeClr val="lt1"/>
+          </a:fillRef>
+          <a:effectRef idx="0">
+            <a:schemeClr val="dk1"/>
+          </a:effectRef>
+          <a:fontRef idx="minor">
+            <a:schemeClr val="dk1"/>
+          </a:fontRef>
+        </p:style>
+        <p:txBody>
+          <a:bodyPr rtlCol="0" anchor="ctr"/>
+          <a:lstStyle/>
+          <a:p>
+            <a:pPr algn="ctr"/>
+            <a:r>
+              <a:rPr lang="en-US" sz="1200" dirty="0"/>
+              <a:t>Web API</a:t>
+            </a:r>
+            <a:endParaRPr lang="de-DE" sz="1200" dirty="0"/>
+          </a:p>
+        </p:txBody>
+      </p:sp>
+      <p:sp>
+        <p:nvSpPr>
+          <p:cNvPr id="59" name="Rectangle 58"/>
+          <p:cNvSpPr/>
+          <p:nvPr/>
+        </p:nvSpPr>
+        <p:spPr>
+          <a:xfrm>
+            <a:off x="5015747" y="4031263"/>
+            <a:ext cx="864254" cy="441601"/>
+          </a:xfrm>
+          <a:prstGeom prst="rect">
+            <a:avLst/>
+          </a:prstGeom>
+        </p:spPr>
+        <p:style>
+          <a:lnRef idx="2">
+            <a:schemeClr val="dk1"/>
+          </a:lnRef>
+          <a:fillRef idx="1">
+            <a:schemeClr val="lt1"/>
+          </a:fillRef>
+          <a:effectRef idx="0">
+            <a:schemeClr val="dk1"/>
+          </a:effectRef>
+          <a:fontRef idx="minor">
+            <a:schemeClr val="dk1"/>
+          </a:fontRef>
+        </p:style>
+        <p:txBody>
+          <a:bodyPr rtlCol="0" anchor="ctr"/>
+          <a:lstStyle/>
+          <a:p>
+            <a:pPr algn="ctr"/>
+            <a:r>
+              <a:rPr lang="en-US" sz="1200" dirty="0"/>
+              <a:t>Web API</a:t>
+            </a:r>
+            <a:endParaRPr lang="de-DE" sz="1200" dirty="0"/>
+          </a:p>
+        </p:txBody>
+      </p:sp>
+      <p:sp>
+        <p:nvSpPr>
+          <p:cNvPr id="6" name="Oval 5"/>
+          <p:cNvSpPr/>
+          <p:nvPr/>
+        </p:nvSpPr>
+        <p:spPr>
+          <a:xfrm>
+            <a:off x="6218888" y="2573330"/>
+            <a:ext cx="239970" cy="239970"/>
+          </a:xfrm>
+          <a:prstGeom prst="ellipse">
+            <a:avLst/>
+          </a:prstGeom>
+          <a:solidFill>
+            <a:srgbClr val="FF0000"/>
+          </a:solidFill>
+          <a:ln>
+            <a:noFill/>
+          </a:ln>
+        </p:spPr>
+        <p:style>
+          <a:lnRef idx="2">
+            <a:schemeClr val="accent1">
+              <a:shade val="50000"/>
+            </a:schemeClr>
+          </a:lnRef>
+          <a:fillRef idx="1">
+            <a:schemeClr val="accent1"/>
+          </a:fillRef>
+          <a:effectRef idx="0">
+            <a:schemeClr val="accent1"/>
+          </a:effectRef>
+          <a:fontRef idx="minor">
+            <a:schemeClr val="lt1"/>
+          </a:fontRef>
+        </p:style>
+        <p:txBody>
+          <a:bodyPr rtlCol="0" anchor="ctr"/>
+          <a:lstStyle/>
+          <a:p>
+            <a:pPr algn="ctr"/>
+            <a:endParaRPr lang="de-DE"/>
+          </a:p>
+        </p:txBody>
+      </p:sp>
+      <p:sp>
+        <p:nvSpPr>
+          <p:cNvPr id="61" name="Oval 60"/>
+          <p:cNvSpPr/>
+          <p:nvPr/>
+        </p:nvSpPr>
+        <p:spPr>
+          <a:xfrm>
+            <a:off x="6321468" y="3147631"/>
+            <a:ext cx="239970" cy="239970"/>
+          </a:xfrm>
+          <a:prstGeom prst="ellipse">
+            <a:avLst/>
+          </a:prstGeom>
+          <a:solidFill>
+            <a:srgbClr val="FF0000"/>
+          </a:solidFill>
+          <a:ln>
+            <a:noFill/>
+          </a:ln>
+        </p:spPr>
+        <p:style>
+          <a:lnRef idx="2">
+            <a:schemeClr val="accent1">
+              <a:shade val="50000"/>
+            </a:schemeClr>
+          </a:lnRef>
+          <a:fillRef idx="1">
+            <a:schemeClr val="accent1"/>
+          </a:fillRef>
+          <a:effectRef idx="0">
+            <a:schemeClr val="accent1"/>
+          </a:effectRef>
+          <a:fontRef idx="minor">
+            <a:schemeClr val="lt1"/>
+          </a:fontRef>
+        </p:style>
+        <p:txBody>
+          <a:bodyPr rtlCol="0" anchor="ctr"/>
+          <a:lstStyle/>
+          <a:p>
+            <a:pPr algn="ctr"/>
+            <a:endParaRPr lang="de-DE"/>
+          </a:p>
+        </p:txBody>
+      </p:sp>
+      <p:sp>
+        <p:nvSpPr>
+          <p:cNvPr id="62" name="Oval 61"/>
+          <p:cNvSpPr/>
+          <p:nvPr/>
+        </p:nvSpPr>
+        <p:spPr>
+          <a:xfrm>
+            <a:off x="6561438" y="2838364"/>
+            <a:ext cx="239970" cy="239970"/>
+          </a:xfrm>
+          <a:prstGeom prst="ellipse">
+            <a:avLst/>
+          </a:prstGeom>
+          <a:solidFill>
+            <a:srgbClr val="FF0000"/>
+          </a:solidFill>
+          <a:ln>
+            <a:noFill/>
+          </a:ln>
+        </p:spPr>
+        <p:style>
+          <a:lnRef idx="2">
+            <a:schemeClr val="accent1">
+              <a:shade val="50000"/>
+            </a:schemeClr>
+          </a:lnRef>
+          <a:fillRef idx="1">
+            <a:schemeClr val="accent1"/>
+          </a:fillRef>
+          <a:effectRef idx="0">
+            <a:schemeClr val="accent1"/>
+          </a:effectRef>
+          <a:fontRef idx="minor">
+            <a:schemeClr val="lt1"/>
+          </a:fontRef>
+        </p:style>
+        <p:txBody>
+          <a:bodyPr rtlCol="0" anchor="ctr"/>
+          <a:lstStyle/>
+          <a:p>
+            <a:pPr algn="ctr"/>
+            <a:endParaRPr lang="de-DE"/>
+          </a:p>
+        </p:txBody>
+      </p:sp>
+      <p:sp>
+        <p:nvSpPr>
+          <p:cNvPr id="63" name="Oval 62"/>
+          <p:cNvSpPr/>
+          <p:nvPr/>
+        </p:nvSpPr>
+        <p:spPr>
+          <a:xfrm>
+            <a:off x="6786424" y="3488532"/>
+            <a:ext cx="239970" cy="239970"/>
+          </a:xfrm>
+          <a:prstGeom prst="ellipse">
+            <a:avLst/>
+          </a:prstGeom>
+          <a:solidFill>
+            <a:srgbClr val="FF0000"/>
+          </a:solidFill>
+          <a:ln>
+            <a:noFill/>
+          </a:ln>
+        </p:spPr>
+        <p:style>
+          <a:lnRef idx="2">
+            <a:schemeClr val="accent1">
+              <a:shade val="50000"/>
+            </a:schemeClr>
+          </a:lnRef>
+          <a:fillRef idx="1">
+            <a:schemeClr val="accent1"/>
+          </a:fillRef>
+          <a:effectRef idx="0">
+            <a:schemeClr val="accent1"/>
+          </a:effectRef>
+          <a:fontRef idx="minor">
+            <a:schemeClr val="lt1"/>
+          </a:fontRef>
+        </p:style>
+        <p:txBody>
+          <a:bodyPr rtlCol="0" anchor="ctr"/>
+          <a:lstStyle/>
+          <a:p>
+            <a:pPr algn="ctr"/>
+            <a:endParaRPr lang="de-DE"/>
+          </a:p>
+        </p:txBody>
+      </p:sp>
+      <p:sp>
+        <p:nvSpPr>
+          <p:cNvPr id="64" name="Oval 63"/>
+          <p:cNvSpPr/>
+          <p:nvPr/>
+        </p:nvSpPr>
+        <p:spPr>
+          <a:xfrm>
+            <a:off x="6132402" y="3664415"/>
+            <a:ext cx="239970" cy="239970"/>
+          </a:xfrm>
+          <a:prstGeom prst="ellipse">
+            <a:avLst/>
+          </a:prstGeom>
+          <a:solidFill>
+            <a:srgbClr val="FF0000"/>
+          </a:solidFill>
+          <a:ln>
+            <a:noFill/>
+          </a:ln>
+        </p:spPr>
+        <p:style>
+          <a:lnRef idx="2">
+            <a:schemeClr val="accent1">
+              <a:shade val="50000"/>
+            </a:schemeClr>
+          </a:lnRef>
+          <a:fillRef idx="1">
+            <a:schemeClr val="accent1"/>
+          </a:fillRef>
+          <a:effectRef idx="0">
+            <a:schemeClr val="accent1"/>
+          </a:effectRef>
+          <a:fontRef idx="minor">
+            <a:schemeClr val="lt1"/>
+          </a:fontRef>
+        </p:style>
+        <p:txBody>
+          <a:bodyPr rtlCol="0" anchor="ctr"/>
+          <a:lstStyle/>
+          <a:p>
+            <a:pPr algn="ctr"/>
+            <a:endParaRPr lang="de-DE"/>
+          </a:p>
+        </p:txBody>
+      </p:sp>
+      <p:sp>
+        <p:nvSpPr>
+          <p:cNvPr id="65" name="Oval 64"/>
+          <p:cNvSpPr/>
+          <p:nvPr/>
+        </p:nvSpPr>
+        <p:spPr>
+          <a:xfrm>
+            <a:off x="6527360" y="4006701"/>
+            <a:ext cx="239970" cy="239970"/>
+          </a:xfrm>
+          <a:prstGeom prst="ellipse">
+            <a:avLst/>
+          </a:prstGeom>
+          <a:solidFill>
+            <a:srgbClr val="FF0000"/>
+          </a:solidFill>
+          <a:ln>
+            <a:noFill/>
+          </a:ln>
+        </p:spPr>
+        <p:style>
+          <a:lnRef idx="2">
+            <a:schemeClr val="accent1">
+              <a:shade val="50000"/>
+            </a:schemeClr>
+          </a:lnRef>
+          <a:fillRef idx="1">
+            <a:schemeClr val="accent1"/>
+          </a:fillRef>
+          <a:effectRef idx="0">
+            <a:schemeClr val="accent1"/>
+          </a:effectRef>
+          <a:fontRef idx="minor">
+            <a:schemeClr val="lt1"/>
+          </a:fontRef>
+        </p:style>
+        <p:txBody>
+          <a:bodyPr rtlCol="0" anchor="ctr"/>
+          <a:lstStyle/>
+          <a:p>
+            <a:pPr algn="ctr"/>
+            <a:endParaRPr lang="de-DE"/>
+          </a:p>
+        </p:txBody>
+      </p:sp>
+      <p:sp>
+        <p:nvSpPr>
+          <p:cNvPr id="7" name="Isosceles Triangle 6"/>
+          <p:cNvSpPr/>
+          <p:nvPr/>
+        </p:nvSpPr>
+        <p:spPr>
+          <a:xfrm>
+            <a:off x="7141931" y="2415257"/>
+            <a:ext cx="507791" cy="437751"/>
+          </a:xfrm>
+          <a:prstGeom prst="triangle">
+            <a:avLst/>
+          </a:prstGeom>
+          <a:solidFill>
+            <a:srgbClr val="FFFF00"/>
+          </a:solidFill>
+          <a:ln>
+            <a:noFill/>
+          </a:ln>
+        </p:spPr>
+        <p:style>
+          <a:lnRef idx="2">
+            <a:schemeClr val="accent1">
+              <a:shade val="50000"/>
+            </a:schemeClr>
+          </a:lnRef>
+          <a:fillRef idx="1">
+            <a:schemeClr val="accent1"/>
+          </a:fillRef>
+          <a:effectRef idx="0">
+            <a:schemeClr val="accent1"/>
+          </a:effectRef>
+          <a:fontRef idx="minor">
+            <a:schemeClr val="lt1"/>
+          </a:fontRef>
+        </p:style>
+        <p:txBody>
+          <a:bodyPr rtlCol="0" anchor="ctr"/>
+          <a:lstStyle/>
+          <a:p>
+            <a:pPr algn="ctr"/>
+            <a:endParaRPr lang="de-DE"/>
+          </a:p>
+        </p:txBody>
+      </p:sp>
+      <p:cxnSp>
+        <p:nvCxnSpPr>
+          <p:cNvPr id="12" name="Straight Arrow Connector 11"/>
+          <p:cNvCxnSpPr>
+            <a:stCxn id="5" idx="3"/>
+            <a:endCxn id="6" idx="2"/>
+          </p:cNvCxnSpPr>
+          <p:nvPr/>
+        </p:nvCxnSpPr>
+        <p:spPr>
+          <a:xfrm flipV="1">
+            <a:off x="5875553" y="2693315"/>
+            <a:ext cx="343335" cy="425304"/>
+          </a:xfrm>
+          <a:prstGeom prst="straightConnector1">
+            <a:avLst/>
+          </a:prstGeom>
+          <a:ln>
+            <a:tailEnd type="triangle"/>
+          </a:ln>
+        </p:spPr>
+        <p:style>
+          <a:lnRef idx="1">
+            <a:schemeClr val="dk1"/>
+          </a:lnRef>
+          <a:fillRef idx="0">
+            <a:schemeClr val="dk1"/>
+          </a:fillRef>
+          <a:effectRef idx="0">
+            <a:schemeClr val="dk1"/>
+          </a:effectRef>
+          <a:fontRef idx="minor">
+            <a:schemeClr val="tx1"/>
+          </a:fontRef>
+        </p:style>
+      </p:cxnSp>
+      <p:cxnSp>
+        <p:nvCxnSpPr>
+          <p:cNvPr id="82" name="Straight Arrow Connector 81"/>
+          <p:cNvCxnSpPr>
+            <a:stCxn id="59" idx="3"/>
+            <a:endCxn id="64" idx="3"/>
+          </p:cNvCxnSpPr>
+          <p:nvPr/>
+        </p:nvCxnSpPr>
+        <p:spPr>
+          <a:xfrm flipV="1">
+            <a:off x="5880001" y="3869242"/>
+            <a:ext cx="287544" cy="382822"/>
+          </a:xfrm>
+          <a:prstGeom prst="straightConnector1">
+            <a:avLst/>
+          </a:prstGeom>
+          <a:ln>
+            <a:tailEnd type="triangle"/>
+          </a:ln>
+        </p:spPr>
+        <p:style>
+          <a:lnRef idx="1">
+            <a:schemeClr val="dk1"/>
+          </a:lnRef>
+          <a:fillRef idx="0">
+            <a:schemeClr val="dk1"/>
+          </a:fillRef>
+          <a:effectRef idx="0">
+            <a:schemeClr val="dk1"/>
+          </a:effectRef>
+          <a:fontRef idx="minor">
+            <a:schemeClr val="tx1"/>
+          </a:fontRef>
+        </p:style>
+      </p:cxnSp>
+      <p:cxnSp>
+        <p:nvCxnSpPr>
+          <p:cNvPr id="83" name="Straight Arrow Connector 82"/>
+          <p:cNvCxnSpPr>
+            <a:stCxn id="59" idx="3"/>
+            <a:endCxn id="65" idx="2"/>
+          </p:cNvCxnSpPr>
+          <p:nvPr/>
+        </p:nvCxnSpPr>
+        <p:spPr>
+          <a:xfrm flipV="1">
+            <a:off x="5880001" y="4126686"/>
+            <a:ext cx="647359" cy="125378"/>
+          </a:xfrm>
+          <a:prstGeom prst="straightConnector1">
+            <a:avLst/>
+          </a:prstGeom>
+          <a:ln>
+            <a:tailEnd type="triangle"/>
+          </a:ln>
+        </p:spPr>
+        <p:style>
+          <a:lnRef idx="1">
+            <a:schemeClr val="dk1"/>
+          </a:lnRef>
+          <a:fillRef idx="0">
+            <a:schemeClr val="dk1"/>
+          </a:fillRef>
+          <a:effectRef idx="0">
+            <a:schemeClr val="dk1"/>
+          </a:effectRef>
+          <a:fontRef idx="minor">
+            <a:schemeClr val="tx1"/>
+          </a:fontRef>
+        </p:style>
+      </p:cxnSp>
+      <p:cxnSp>
+        <p:nvCxnSpPr>
+          <p:cNvPr id="85" name="Straight Arrow Connector 84"/>
+          <p:cNvCxnSpPr>
+            <a:stCxn id="6" idx="6"/>
+            <a:endCxn id="7" idx="1"/>
+          </p:cNvCxnSpPr>
+          <p:nvPr/>
+        </p:nvCxnSpPr>
+        <p:spPr>
+          <a:xfrm flipV="1">
+            <a:off x="6458858" y="2634133"/>
+            <a:ext cx="810021" cy="59182"/>
+          </a:xfrm>
+          <a:prstGeom prst="straightConnector1">
+            <a:avLst/>
+          </a:prstGeom>
+          <a:ln>
+            <a:tailEnd type="triangle"/>
+          </a:ln>
+        </p:spPr>
+        <p:style>
+          <a:lnRef idx="1">
+            <a:schemeClr val="dk1"/>
+          </a:lnRef>
+          <a:fillRef idx="0">
+            <a:schemeClr val="dk1"/>
+          </a:fillRef>
+          <a:effectRef idx="0">
+            <a:schemeClr val="dk1"/>
+          </a:effectRef>
+          <a:fontRef idx="minor">
+            <a:schemeClr val="tx1"/>
+          </a:fontRef>
+        </p:style>
+      </p:cxnSp>
+      <p:cxnSp>
+        <p:nvCxnSpPr>
+          <p:cNvPr id="86" name="Straight Arrow Connector 85"/>
+          <p:cNvCxnSpPr>
+            <a:stCxn id="63" idx="7"/>
+            <a:endCxn id="7" idx="3"/>
+          </p:cNvCxnSpPr>
+          <p:nvPr/>
+        </p:nvCxnSpPr>
+        <p:spPr>
+          <a:xfrm flipV="1">
+            <a:off x="6991251" y="2853008"/>
+            <a:ext cx="404576" cy="670667"/>
+          </a:xfrm>
+          <a:prstGeom prst="straightConnector1">
+            <a:avLst/>
+          </a:prstGeom>
+          <a:ln>
+            <a:tailEnd type="triangle"/>
+          </a:ln>
+        </p:spPr>
+        <p:style>
+          <a:lnRef idx="1">
+            <a:schemeClr val="dk1"/>
+          </a:lnRef>
+          <a:fillRef idx="0">
+            <a:schemeClr val="dk1"/>
+          </a:fillRef>
+          <a:effectRef idx="0">
+            <a:schemeClr val="dk1"/>
+          </a:effectRef>
+          <a:fontRef idx="minor">
+            <a:schemeClr val="tx1"/>
+          </a:fontRef>
+        </p:style>
+      </p:cxnSp>
+      <p:sp>
+        <p:nvSpPr>
+          <p:cNvPr id="66" name="Oval 65"/>
+          <p:cNvSpPr/>
+          <p:nvPr/>
+        </p:nvSpPr>
+        <p:spPr>
+          <a:xfrm>
+            <a:off x="9147715" y="4895160"/>
+            <a:ext cx="239970" cy="239970"/>
+          </a:xfrm>
+          <a:prstGeom prst="ellipse">
+            <a:avLst/>
+          </a:prstGeom>
+          <a:solidFill>
+            <a:srgbClr val="FF0000"/>
+          </a:solidFill>
+          <a:ln>
+            <a:noFill/>
+          </a:ln>
+        </p:spPr>
+        <p:style>
+          <a:lnRef idx="2">
+            <a:schemeClr val="accent1">
+              <a:shade val="50000"/>
+            </a:schemeClr>
+          </a:lnRef>
+          <a:fillRef idx="1">
+            <a:schemeClr val="accent1"/>
+          </a:fillRef>
+          <a:effectRef idx="0">
+            <a:schemeClr val="accent1"/>
+          </a:effectRef>
+          <a:fontRef idx="minor">
+            <a:schemeClr val="lt1"/>
+          </a:fontRef>
+        </p:style>
+        <p:txBody>
+          <a:bodyPr rtlCol="0" anchor="ctr"/>
+          <a:lstStyle/>
+          <a:p>
+            <a:pPr algn="ctr"/>
+            <a:endParaRPr lang="de-DE"/>
+          </a:p>
+        </p:txBody>
+      </p:sp>
+      <p:sp>
+        <p:nvSpPr>
+          <p:cNvPr id="2" name="TextBox 1"/>
+          <p:cNvSpPr txBox="1"/>
+          <p:nvPr/>
+        </p:nvSpPr>
+        <p:spPr>
+          <a:xfrm>
+            <a:off x="9471953" y="4776600"/>
+            <a:ext cx="2067555" cy="430887"/>
+          </a:xfrm>
+          <a:prstGeom prst="rect">
+            <a:avLst/>
+          </a:prstGeom>
+          <a:noFill/>
+        </p:spPr>
+        <p:txBody>
+          <a:bodyPr wrap="square" rtlCol="0">
+            <a:spAutoFit/>
+          </a:bodyPr>
+          <a:lstStyle/>
+          <a:p>
+            <a:r>
+              <a:rPr lang="en-US" sz="1100" dirty="0" err="1"/>
+              <a:t>Stateful</a:t>
+            </a:r>
+            <a:r>
+              <a:rPr lang="en-US" sz="1100" dirty="0"/>
+              <a:t> Actor (per car, created by a start </a:t>
+            </a:r>
+            <a:r>
+              <a:rPr lang="en-US" sz="1100" dirty="0" err="1"/>
+              <a:t>msg</a:t>
+            </a:r>
+            <a:r>
+              <a:rPr lang="en-US" sz="1100" dirty="0"/>
+              <a:t>)</a:t>
+            </a:r>
+            <a:endParaRPr lang="de-DE" sz="1100" dirty="0"/>
+          </a:p>
+        </p:txBody>
+      </p:sp>
+      <p:sp>
+        <p:nvSpPr>
+          <p:cNvPr id="67" name="Isosceles Triangle 66"/>
+          <p:cNvSpPr/>
+          <p:nvPr/>
+        </p:nvSpPr>
+        <p:spPr>
+          <a:xfrm>
+            <a:off x="8983752" y="5361003"/>
+            <a:ext cx="507791" cy="437751"/>
+          </a:xfrm>
+          <a:prstGeom prst="triangle">
+            <a:avLst/>
+          </a:prstGeom>
+          <a:solidFill>
+            <a:srgbClr val="FFFF00"/>
+          </a:solidFill>
+          <a:ln>
+            <a:noFill/>
+          </a:ln>
+        </p:spPr>
+        <p:style>
+          <a:lnRef idx="2">
+            <a:schemeClr val="accent1">
+              <a:shade val="50000"/>
+            </a:schemeClr>
+          </a:lnRef>
+          <a:fillRef idx="1">
+            <a:schemeClr val="accent1"/>
+          </a:fillRef>
+          <a:effectRef idx="0">
+            <a:schemeClr val="accent1"/>
+          </a:effectRef>
+          <a:fontRef idx="minor">
+            <a:schemeClr val="lt1"/>
+          </a:fontRef>
+        </p:style>
+        <p:txBody>
+          <a:bodyPr rtlCol="0" anchor="ctr"/>
+          <a:lstStyle/>
+          <a:p>
+            <a:pPr algn="ctr"/>
+            <a:endParaRPr lang="de-DE"/>
+          </a:p>
+        </p:txBody>
+      </p:sp>
+      <p:sp>
+        <p:nvSpPr>
+          <p:cNvPr id="84" name="TextBox 83"/>
+          <p:cNvSpPr txBox="1"/>
+          <p:nvPr/>
+        </p:nvSpPr>
+        <p:spPr>
+          <a:xfrm>
+            <a:off x="9491543" y="5383498"/>
+            <a:ext cx="2067555" cy="430887"/>
+          </a:xfrm>
+          <a:prstGeom prst="rect">
+            <a:avLst/>
+          </a:prstGeom>
+          <a:noFill/>
+        </p:spPr>
+        <p:txBody>
+          <a:bodyPr wrap="square" rtlCol="0">
+            <a:spAutoFit/>
+          </a:bodyPr>
+          <a:lstStyle/>
+          <a:p>
+            <a:r>
+              <a:rPr lang="en-US" sz="1100" dirty="0"/>
+              <a:t>Stateless actor for batching event writes to backend</a:t>
+            </a:r>
+            <a:endParaRPr lang="de-DE" sz="1100" dirty="0"/>
+          </a:p>
+        </p:txBody>
+      </p:sp>
+      <p:cxnSp>
+        <p:nvCxnSpPr>
+          <p:cNvPr id="8" name="Straight Connector 7"/>
+          <p:cNvCxnSpPr>
+            <a:stCxn id="10" idx="6"/>
+            <a:endCxn id="100" idx="1"/>
+          </p:cNvCxnSpPr>
+          <p:nvPr/>
+        </p:nvCxnSpPr>
+        <p:spPr>
+          <a:xfrm>
+            <a:off x="4544673" y="3460418"/>
+            <a:ext cx="262807" cy="0"/>
+          </a:xfrm>
+          <a:prstGeom prst="line">
+            <a:avLst/>
+          </a:prstGeom>
+        </p:spPr>
+        <p:style>
+          <a:lnRef idx="2">
+            <a:schemeClr val="dk1"/>
+          </a:lnRef>
+          <a:fillRef idx="0">
+            <a:schemeClr val="dk1"/>
+          </a:fillRef>
+          <a:effectRef idx="1">
+            <a:schemeClr val="dk1"/>
+          </a:effectRef>
+          <a:fontRef idx="minor">
+            <a:schemeClr val="tx1"/>
+          </a:fontRef>
+        </p:style>
+      </p:cxnSp>
+      <p:sp>
+        <p:nvSpPr>
+          <p:cNvPr id="10" name="Oval 9"/>
+          <p:cNvSpPr/>
+          <p:nvPr/>
+        </p:nvSpPr>
+        <p:spPr>
+          <a:xfrm>
+            <a:off x="4329667" y="3352915"/>
+            <a:ext cx="215006" cy="215006"/>
+          </a:xfrm>
+          <a:prstGeom prst="ellipse">
+            <a:avLst/>
+          </a:prstGeom>
+        </p:spPr>
+        <p:style>
+          <a:lnRef idx="2">
+            <a:schemeClr val="dk1">
+              <a:shade val="50000"/>
+            </a:schemeClr>
+          </a:lnRef>
+          <a:fillRef idx="1">
+            <a:schemeClr val="dk1"/>
+          </a:fillRef>
+          <a:effectRef idx="0">
+            <a:schemeClr val="dk1"/>
+          </a:effectRef>
+          <a:fontRef idx="minor">
+            <a:schemeClr val="lt1"/>
+          </a:fontRef>
+        </p:style>
+        <p:txBody>
+          <a:bodyPr rtlCol="0" anchor="ctr"/>
+          <a:lstStyle/>
+          <a:p>
+            <a:pPr algn="ctr"/>
+            <a:endParaRPr lang="de-DE"/>
+          </a:p>
+        </p:txBody>
+      </p:sp>
+      <p:cxnSp>
+        <p:nvCxnSpPr>
+          <p:cNvPr id="87" name="Straight Connector 86"/>
+          <p:cNvCxnSpPr>
+            <a:stCxn id="5" idx="1"/>
+            <a:endCxn id="100" idx="1"/>
+          </p:cNvCxnSpPr>
+          <p:nvPr/>
+        </p:nvCxnSpPr>
+        <p:spPr>
+          <a:xfrm flipH="1">
+            <a:off x="4807480" y="3118619"/>
+            <a:ext cx="203819" cy="341799"/>
+          </a:xfrm>
+          <a:prstGeom prst="line">
+            <a:avLst/>
+          </a:prstGeom>
+        </p:spPr>
+        <p:style>
+          <a:lnRef idx="2">
+            <a:schemeClr val="dk1"/>
+          </a:lnRef>
+          <a:fillRef idx="0">
+            <a:schemeClr val="dk1"/>
+          </a:fillRef>
+          <a:effectRef idx="1">
+            <a:schemeClr val="dk1"/>
+          </a:effectRef>
+          <a:fontRef idx="minor">
+            <a:schemeClr val="tx1"/>
+          </a:fontRef>
+        </p:style>
+      </p:cxnSp>
+      <p:cxnSp>
+        <p:nvCxnSpPr>
+          <p:cNvPr id="88" name="Straight Connector 87"/>
+          <p:cNvCxnSpPr>
+            <a:stCxn id="58" idx="1"/>
+            <a:endCxn id="100" idx="1"/>
+          </p:cNvCxnSpPr>
+          <p:nvPr/>
+        </p:nvCxnSpPr>
+        <p:spPr>
+          <a:xfrm flipH="1" flipV="1">
+            <a:off x="4807480" y="3460418"/>
+            <a:ext cx="203819" cy="241970"/>
+          </a:xfrm>
+          <a:prstGeom prst="line">
+            <a:avLst/>
+          </a:prstGeom>
+        </p:spPr>
+        <p:style>
+          <a:lnRef idx="2">
+            <a:schemeClr val="dk1"/>
+          </a:lnRef>
+          <a:fillRef idx="0">
+            <a:schemeClr val="dk1"/>
+          </a:fillRef>
+          <a:effectRef idx="1">
+            <a:schemeClr val="dk1"/>
+          </a:effectRef>
+          <a:fontRef idx="minor">
+            <a:schemeClr val="tx1"/>
+          </a:fontRef>
+        </p:style>
+      </p:cxnSp>
+      <p:cxnSp>
+        <p:nvCxnSpPr>
+          <p:cNvPr id="89" name="Straight Connector 88"/>
+          <p:cNvCxnSpPr>
+            <a:stCxn id="59" idx="1"/>
+            <a:endCxn id="100" idx="1"/>
+          </p:cNvCxnSpPr>
+          <p:nvPr/>
+        </p:nvCxnSpPr>
+        <p:spPr>
+          <a:xfrm flipH="1" flipV="1">
+            <a:off x="4807480" y="3460418"/>
+            <a:ext cx="208267" cy="791646"/>
+          </a:xfrm>
+          <a:prstGeom prst="line">
+            <a:avLst/>
+          </a:prstGeom>
+        </p:spPr>
+        <p:style>
+          <a:lnRef idx="2">
+            <a:schemeClr val="dk1"/>
+          </a:lnRef>
+          <a:fillRef idx="0">
+            <a:schemeClr val="dk1"/>
+          </a:fillRef>
+          <a:effectRef idx="1">
+            <a:schemeClr val="dk1"/>
+          </a:effectRef>
+          <a:fontRef idx="minor">
+            <a:schemeClr val="tx1"/>
+          </a:fontRef>
+        </p:style>
+      </p:cxnSp>
+      <p:sp>
+        <p:nvSpPr>
+          <p:cNvPr id="90" name="Isosceles Triangle 89"/>
+          <p:cNvSpPr/>
+          <p:nvPr/>
+        </p:nvSpPr>
+        <p:spPr>
+          <a:xfrm>
+            <a:off x="7062380" y="3959455"/>
+            <a:ext cx="507791" cy="437751"/>
+          </a:xfrm>
+          <a:prstGeom prst="triangle">
+            <a:avLst/>
+          </a:prstGeom>
+          <a:solidFill>
+            <a:srgbClr val="FFFF00"/>
+          </a:solidFill>
+          <a:ln>
+            <a:noFill/>
+          </a:ln>
+        </p:spPr>
+        <p:style>
+          <a:lnRef idx="2">
+            <a:schemeClr val="accent1">
+              <a:shade val="50000"/>
+            </a:schemeClr>
+          </a:lnRef>
+          <a:fillRef idx="1">
+            <a:schemeClr val="accent1"/>
+          </a:fillRef>
+          <a:effectRef idx="0">
+            <a:schemeClr val="accent1"/>
+          </a:effectRef>
+          <a:fontRef idx="minor">
+            <a:schemeClr val="lt1"/>
+          </a:fontRef>
+        </p:style>
+        <p:txBody>
+          <a:bodyPr rtlCol="0" anchor="ctr"/>
+          <a:lstStyle/>
+          <a:p>
+            <a:pPr algn="ctr"/>
+            <a:endParaRPr lang="de-DE"/>
+          </a:p>
+        </p:txBody>
+      </p:sp>
+      <p:cxnSp>
+        <p:nvCxnSpPr>
+          <p:cNvPr id="91" name="Straight Arrow Connector 90"/>
+          <p:cNvCxnSpPr>
+            <a:stCxn id="65" idx="6"/>
+            <a:endCxn id="90" idx="1"/>
+          </p:cNvCxnSpPr>
+          <p:nvPr/>
+        </p:nvCxnSpPr>
+        <p:spPr>
+          <a:xfrm>
+            <a:off x="6767330" y="4126686"/>
+            <a:ext cx="421998" cy="51645"/>
+          </a:xfrm>
+          <a:prstGeom prst="straightConnector1">
+            <a:avLst/>
+          </a:prstGeom>
+          <a:ln>
+            <a:tailEnd type="triangle"/>
+          </a:ln>
+        </p:spPr>
+        <p:style>
+          <a:lnRef idx="1">
+            <a:schemeClr val="dk1"/>
+          </a:lnRef>
+          <a:fillRef idx="0">
+            <a:schemeClr val="dk1"/>
+          </a:fillRef>
+          <a:effectRef idx="0">
+            <a:schemeClr val="dk1"/>
+          </a:effectRef>
+          <a:fontRef idx="minor">
+            <a:schemeClr val="tx1"/>
+          </a:fontRef>
+        </p:style>
+      </p:cxnSp>
+      <p:cxnSp>
+        <p:nvCxnSpPr>
+          <p:cNvPr id="92" name="Straight Arrow Connector 91"/>
+          <p:cNvCxnSpPr>
+            <a:stCxn id="90" idx="5"/>
+            <a:endCxn id="117" idx="1"/>
+          </p:cNvCxnSpPr>
+          <p:nvPr/>
+        </p:nvCxnSpPr>
+        <p:spPr>
+          <a:xfrm flipV="1">
+            <a:off x="7443223" y="2634132"/>
+            <a:ext cx="1266405" cy="1544199"/>
+          </a:xfrm>
+          <a:prstGeom prst="straightConnector1">
+            <a:avLst/>
+          </a:prstGeom>
+          <a:ln>
+            <a:tailEnd type="triangle"/>
+          </a:ln>
+        </p:spPr>
+        <p:style>
+          <a:lnRef idx="1">
+            <a:schemeClr val="dk1"/>
+          </a:lnRef>
+          <a:fillRef idx="0">
+            <a:schemeClr val="dk1"/>
+          </a:fillRef>
+          <a:effectRef idx="0">
+            <a:schemeClr val="dk1"/>
+          </a:effectRef>
+          <a:fontRef idx="minor">
+            <a:schemeClr val="tx1"/>
+          </a:fontRef>
+        </p:style>
+      </p:cxnSp>
+      <p:cxnSp>
+        <p:nvCxnSpPr>
+          <p:cNvPr id="93" name="Straight Arrow Connector 92"/>
+          <p:cNvCxnSpPr>
+            <a:stCxn id="58" idx="3"/>
+            <a:endCxn id="61" idx="3"/>
+          </p:cNvCxnSpPr>
+          <p:nvPr/>
+        </p:nvCxnSpPr>
+        <p:spPr>
+          <a:xfrm flipV="1">
+            <a:off x="5875553" y="3352458"/>
+            <a:ext cx="481058" cy="349930"/>
+          </a:xfrm>
+          <a:prstGeom prst="straightConnector1">
+            <a:avLst/>
+          </a:prstGeom>
+          <a:ln>
+            <a:tailEnd type="triangle"/>
+          </a:ln>
+        </p:spPr>
+        <p:style>
+          <a:lnRef idx="1">
+            <a:schemeClr val="dk1"/>
+          </a:lnRef>
+          <a:fillRef idx="0">
+            <a:schemeClr val="dk1"/>
+          </a:fillRef>
+          <a:effectRef idx="0">
+            <a:schemeClr val="dk1"/>
+          </a:effectRef>
+          <a:fontRef idx="minor">
+            <a:schemeClr val="tx1"/>
+          </a:fontRef>
+        </p:style>
+      </p:cxnSp>
+      <p:cxnSp>
+        <p:nvCxnSpPr>
+          <p:cNvPr id="94" name="Straight Arrow Connector 93"/>
+          <p:cNvCxnSpPr>
+            <a:stCxn id="5" idx="3"/>
+            <a:endCxn id="62" idx="2"/>
+          </p:cNvCxnSpPr>
+          <p:nvPr/>
+        </p:nvCxnSpPr>
+        <p:spPr>
+          <a:xfrm flipV="1">
+            <a:off x="5875553" y="2958349"/>
+            <a:ext cx="685885" cy="160270"/>
+          </a:xfrm>
+          <a:prstGeom prst="straightConnector1">
+            <a:avLst/>
+          </a:prstGeom>
+          <a:ln>
+            <a:tailEnd type="triangle"/>
+          </a:ln>
+        </p:spPr>
+        <p:style>
+          <a:lnRef idx="1">
+            <a:schemeClr val="dk1"/>
+          </a:lnRef>
+          <a:fillRef idx="0">
+            <a:schemeClr val="dk1"/>
+          </a:fillRef>
+          <a:effectRef idx="0">
+            <a:schemeClr val="dk1"/>
+          </a:effectRef>
+          <a:fontRef idx="minor">
+            <a:schemeClr val="tx1"/>
+          </a:fontRef>
+        </p:style>
+      </p:cxnSp>
+      <p:cxnSp>
+        <p:nvCxnSpPr>
+          <p:cNvPr id="98" name="Straight Arrow Connector 97"/>
+          <p:cNvCxnSpPr>
+            <a:stCxn id="59" idx="3"/>
+            <a:endCxn id="63" idx="3"/>
+          </p:cNvCxnSpPr>
+          <p:nvPr/>
+        </p:nvCxnSpPr>
+        <p:spPr>
+          <a:xfrm flipV="1">
+            <a:off x="5880001" y="3693359"/>
+            <a:ext cx="941566" cy="558705"/>
+          </a:xfrm>
+          <a:prstGeom prst="straightConnector1">
+            <a:avLst/>
+          </a:prstGeom>
+          <a:ln>
+            <a:tailEnd type="triangle"/>
+          </a:ln>
+        </p:spPr>
+        <p:style>
+          <a:lnRef idx="1">
+            <a:schemeClr val="dk1"/>
+          </a:lnRef>
+          <a:fillRef idx="0">
+            <a:schemeClr val="dk1"/>
+          </a:fillRef>
+          <a:effectRef idx="0">
+            <a:schemeClr val="dk1"/>
+          </a:effectRef>
+          <a:fontRef idx="minor">
+            <a:schemeClr val="tx1"/>
+          </a:fontRef>
+        </p:style>
+      </p:cxnSp>
+    </p:spTree>
+    <p:extLst>
+      <p:ext uri="{BB962C8B-B14F-4D97-AF65-F5344CB8AC3E}">
+        <p14:creationId xmlns:p14="http://schemas.microsoft.com/office/powerpoint/2010/main" val="1682748841"/>
+      </p:ext>
+    </p:extLst>
+  </p:cSld>
+  <p:clrMapOvr>
+    <a:masterClrMapping/>
+  </p:clrMapOvr>
+</p:sld>
+</file>
+
+<file path=ppt/slides/slide4.xml><?xml version="1.0" encoding="utf-8"?>
 <p:sld xmlns:a="http://schemas.openxmlformats.org/drawingml/2006/main" xmlns:r="http://schemas.openxmlformats.org/officeDocument/2006/relationships" xmlns:p="http://schemas.openxmlformats.org/presentationml/2006/main">
   <p:cSld>
     <p:spTree>
@@ -8943,7 +13174,7 @@
           <a:p>
             <a:r>
               <a:rPr lang="en-US" dirty="0"/>
-              <a:t>The Road Runners Architecture</a:t>
+              <a:t>The Road Runners Architecture v2</a:t>
             </a:r>
             <a:endParaRPr lang="de-DE" dirty="0"/>
           </a:p>
@@ -10047,121 +14278,7 @@
     </p:spTree>
     <p:extLst>
       <p:ext uri="{BB962C8B-B14F-4D97-AF65-F5344CB8AC3E}">
-        <p14:creationId xmlns:p14="http://schemas.microsoft.com/office/powerpoint/2010/main" val="1682748841"/>
-      </p:ext>
-    </p:extLst>
-  </p:cSld>
-  <p:clrMapOvr>
-    <a:masterClrMapping/>
-  </p:clrMapOvr>
-</p:sld>
-</file>
-
-<file path=ppt/slides/slide2.xml><?xml version="1.0" encoding="utf-8"?>
-<p:sld xmlns:a="http://schemas.openxmlformats.org/drawingml/2006/main" xmlns:r="http://schemas.openxmlformats.org/officeDocument/2006/relationships" xmlns:p="http://schemas.openxmlformats.org/presentationml/2006/main">
-  <p:cSld>
-    <p:spTree>
-      <p:nvGrpSpPr>
-        <p:cNvPr id="1" name=""/>
-        <p:cNvGrpSpPr/>
-        <p:nvPr/>
-      </p:nvGrpSpPr>
-      <p:grpSpPr>
-        <a:xfrm>
-          <a:off x="0" y="0"/>
-          <a:ext cx="0" cy="0"/>
-          <a:chOff x="0" y="0"/>
-          <a:chExt cx="0" cy="0"/>
-        </a:xfrm>
-      </p:grpSpPr>
-      <p:pic>
-        <p:nvPicPr>
-          <p:cNvPr id="3" name="Picture 2"/>
-          <p:cNvPicPr>
-            <a:picLocks noChangeAspect="1"/>
-          </p:cNvPicPr>
-          <p:nvPr/>
-        </p:nvPicPr>
-        <p:blipFill>
-          <a:blip r:embed="rId2">
-            <a:extLst>
-              <a:ext uri="{28A0092B-C50C-407E-A947-70E740481C1C}">
-                <a14:useLocalDpi xmlns:a14="http://schemas.microsoft.com/office/drawing/2010/main" val="0"/>
-              </a:ext>
-            </a:extLst>
-          </a:blip>
-          <a:stretch>
-            <a:fillRect/>
-          </a:stretch>
-        </p:blipFill>
-        <p:spPr>
-          <a:xfrm>
-            <a:off x="889000" y="250825"/>
-            <a:ext cx="9004300" cy="5803900"/>
-          </a:xfrm>
-          <a:prstGeom prst="rect">
-            <a:avLst/>
-          </a:prstGeom>
-        </p:spPr>
-      </p:pic>
-      <p:pic>
-        <p:nvPicPr>
-          <p:cNvPr id="4" name="Picture 3"/>
-          <p:cNvPicPr>
-            <a:picLocks noChangeAspect="1"/>
-          </p:cNvPicPr>
-          <p:nvPr/>
-        </p:nvPicPr>
-        <p:blipFill>
-          <a:blip r:embed="rId3">
-            <a:extLst>
-              <a:ext uri="{BEBA8EAE-BF5A-486C-A8C5-ECC9F3942E4B}">
-                <a14:imgProps xmlns:a14="http://schemas.microsoft.com/office/drawing/2010/main">
-                  <a14:imgLayer r:embed="rId4">
-                    <a14:imgEffect>
-                      <a14:backgroundRemoval t="5600" b="89867" l="6107" r="91985">
-                        <a14:foregroundMark x1="21565" y1="21067" x2="26527" y2="23733"/>
-                        <a14:foregroundMark x1="22710" y1="26400" x2="22710" y2="26400"/>
-                        <a14:foregroundMark x1="29008" y1="21067" x2="29008" y2="21067"/>
-                        <a14:foregroundMark x1="31489" y1="27200" x2="31489" y2="27200"/>
-                        <a14:foregroundMark x1="44084" y1="45600" x2="44084" y2="45600"/>
-                        <a14:foregroundMark x1="44656" y1="45333" x2="50954" y2="45600"/>
-                        <a14:foregroundMark x1="21756" y1="18933" x2="21183" y2="30933"/>
-                        <a14:foregroundMark x1="22710" y1="31200" x2="24237" y2="31733"/>
-                        <a14:foregroundMark x1="23282" y1="25333" x2="23282" y2="24800"/>
-                        <a14:backgroundMark x1="28626" y1="65600" x2="28626" y2="65600"/>
-                        <a14:backgroundMark x1="24237" y1="62667" x2="24237" y2="62667"/>
-                        <a14:backgroundMark x1="14122" y1="65600" x2="23855" y2="74133"/>
-                        <a14:backgroundMark x1="15649" y1="63200" x2="54771" y2="61600"/>
-                        <a14:backgroundMark x1="61450" y1="61867" x2="70229" y2="76000"/>
-                      </a14:backgroundRemoval>
-                    </a14:imgEffect>
-                  </a14:imgLayer>
-                </a14:imgProps>
-              </a:ext>
-              <a:ext uri="{28A0092B-C50C-407E-A947-70E740481C1C}">
-                <a14:useLocalDpi xmlns:a14="http://schemas.microsoft.com/office/drawing/2010/main" val="0"/>
-              </a:ext>
-            </a:extLst>
-          </a:blip>
-          <a:stretch>
-            <a:fillRect/>
-          </a:stretch>
-        </p:blipFill>
-        <p:spPr>
-          <a:xfrm rot="1629671">
-            <a:off x="2681531" y="4398170"/>
-            <a:ext cx="3062937" cy="2191988"/>
-          </a:xfrm>
-          <a:prstGeom prst="rect">
-            <a:avLst/>
-          </a:prstGeom>
-        </p:spPr>
-      </p:pic>
-    </p:spTree>
-    <p:extLst>
-      <p:ext uri="{BB962C8B-B14F-4D97-AF65-F5344CB8AC3E}">
-        <p14:creationId xmlns:p14="http://schemas.microsoft.com/office/powerpoint/2010/main" val="2004971083"/>
+        <p14:creationId xmlns:p14="http://schemas.microsoft.com/office/powerpoint/2010/main" val="2942971064"/>
       </p:ext>
     </p:extLst>
   </p:cSld>

--- a/imgs/architecture.pptx
+++ b/imgs/architecture.pptx
@@ -9,6 +9,7 @@
     <p:sldId id="260" r:id="rId3"/>
     <p:sldId id="257" r:id="rId4"/>
     <p:sldId id="259" r:id="rId5"/>
+    <p:sldId id="261" r:id="rId6"/>
   </p:sldIdLst>
   <p:sldSz cx="12192000" cy="6858000"/>
   <p:notesSz cx="6858000" cy="9144000"/>
@@ -3224,7 +3225,7 @@
             <p:nvPr/>
           </p:nvPicPr>
           <p:blipFill>
-            <a:blip r:embed="rId7">
+            <a:blip r:embed="rId7" cstate="hqprint">
               <a:extLst>
                 <a:ext uri="{28A0092B-C50C-407E-A947-70E740481C1C}">
                   <a14:useLocalDpi xmlns:a14="http://schemas.microsoft.com/office/drawing/2010/main" val="0"/>
@@ -3254,7 +3255,7 @@
             <p:nvPr/>
           </p:nvPicPr>
           <p:blipFill>
-            <a:blip r:embed="rId8">
+            <a:blip r:embed="rId8" cstate="hqprint">
               <a:extLst>
                 <a:ext uri="{28A0092B-C50C-407E-A947-70E740481C1C}">
                   <a14:useLocalDpi xmlns:a14="http://schemas.microsoft.com/office/drawing/2010/main" val="0"/>
@@ -3284,7 +3285,7 @@
             <p:nvPr/>
           </p:nvPicPr>
           <p:blipFill>
-            <a:blip r:embed="rId8">
+            <a:blip r:embed="rId8" cstate="hqprint">
               <a:extLst>
                 <a:ext uri="{28A0092B-C50C-407E-A947-70E740481C1C}">
                   <a14:useLocalDpi xmlns:a14="http://schemas.microsoft.com/office/drawing/2010/main" val="0"/>
@@ -3314,7 +3315,7 @@
             <p:nvPr/>
           </p:nvPicPr>
           <p:blipFill>
-            <a:blip r:embed="rId7">
+            <a:blip r:embed="rId7" cstate="hqprint">
               <a:extLst>
                 <a:ext uri="{28A0092B-C50C-407E-A947-70E740481C1C}">
                   <a14:useLocalDpi xmlns:a14="http://schemas.microsoft.com/office/drawing/2010/main" val="0"/>
@@ -14288,6 +14289,60 @@
 </p:sld>
 </file>
 
+<file path=ppt/slides/slide5.xml><?xml version="1.0" encoding="utf-8"?>
+<p:sld xmlns:a="http://schemas.openxmlformats.org/drawingml/2006/main" xmlns:r="http://schemas.openxmlformats.org/officeDocument/2006/relationships" xmlns:p="http://schemas.openxmlformats.org/presentationml/2006/main">
+  <p:cSld>
+    <p:spTree>
+      <p:nvGrpSpPr>
+        <p:cNvPr id="1" name=""/>
+        <p:cNvGrpSpPr/>
+        <p:nvPr/>
+      </p:nvGrpSpPr>
+      <p:grpSpPr>
+        <a:xfrm>
+          <a:off x="0" y="0"/>
+          <a:ext cx="0" cy="0"/>
+          <a:chOff x="0" y="0"/>
+          <a:chExt cx="0" cy="0"/>
+        </a:xfrm>
+      </p:grpSpPr>
+      <p:pic>
+        <p:nvPicPr>
+          <p:cNvPr id="2" name="Picture 1"/>
+          <p:cNvPicPr>
+            <a:picLocks noChangeAspect="1"/>
+          </p:cNvPicPr>
+          <p:nvPr/>
+        </p:nvPicPr>
+        <p:blipFill>
+          <a:blip r:embed="rId2"/>
+          <a:stretch>
+            <a:fillRect/>
+          </a:stretch>
+        </p:blipFill>
+        <p:spPr>
+          <a:xfrm>
+            <a:off x="0" y="0"/>
+            <a:ext cx="12186356" cy="6858000"/>
+          </a:xfrm>
+          <a:prstGeom prst="rect">
+            <a:avLst/>
+          </a:prstGeom>
+        </p:spPr>
+      </p:pic>
+    </p:spTree>
+    <p:extLst>
+      <p:ext uri="{BB962C8B-B14F-4D97-AF65-F5344CB8AC3E}">
+        <p14:creationId xmlns:p14="http://schemas.microsoft.com/office/powerpoint/2010/main" val="3096665337"/>
+      </p:ext>
+    </p:extLst>
+  </p:cSld>
+  <p:clrMapOvr>
+    <a:masterClrMapping/>
+  </p:clrMapOvr>
+</p:sld>
+</file>
+
 <file path=ppt/theme/theme1.xml><?xml version="1.0" encoding="utf-8"?>
 <a:theme xmlns:a="http://schemas.openxmlformats.org/drawingml/2006/main" name="Office Theme">
   <a:themeElements>

--- a/imgs/architecture.pptx
+++ b/imgs/architecture.pptx
@@ -3337,6 +3337,79 @@
           </p:spPr>
         </p:pic>
       </p:grpSp>
+      <p:sp>
+        <p:nvSpPr>
+          <p:cNvPr id="6" name="Rectangle 5"/>
+          <p:cNvSpPr/>
+          <p:nvPr/>
+        </p:nvSpPr>
+        <p:spPr>
+          <a:xfrm>
+            <a:off x="0" y="388471"/>
+            <a:ext cx="1855078" cy="769441"/>
+          </a:xfrm>
+          <a:prstGeom prst="rect">
+            <a:avLst/>
+          </a:prstGeom>
+        </p:spPr>
+        <p:txBody>
+          <a:bodyPr wrap="square">
+            <a:spAutoFit/>
+          </a:bodyPr>
+          <a:lstStyle/>
+          <a:p>
+            <a:r>
+              <a:rPr lang="de-DE" sz="1100" dirty="0">
+                <a:solidFill>
+                  <a:schemeClr val="bg1"/>
+                </a:solidFill>
+                <a:latin typeface="Helvetica Neue"/>
+              </a:rPr>
+              <a:t>Clemens Schotte</a:t>
+            </a:r>
+          </a:p>
+          <a:p>
+            <a:r>
+              <a:rPr lang="de-DE" sz="1100" dirty="0">
+                <a:solidFill>
+                  <a:schemeClr val="bg1"/>
+                </a:solidFill>
+                <a:latin typeface="Helvetica Neue"/>
+              </a:rPr>
+              <a:t>Martin Weber</a:t>
+            </a:r>
+          </a:p>
+          <a:p>
+            <a:r>
+              <a:rPr lang="de-DE" sz="1100" dirty="0">
+                <a:solidFill>
+                  <a:schemeClr val="bg1"/>
+                </a:solidFill>
+                <a:latin typeface="Helvetica Neue"/>
+              </a:rPr>
+              <a:t>Sander van den Hoven</a:t>
+            </a:r>
+          </a:p>
+          <a:p>
+            <a:r>
+              <a:rPr lang="de-DE" sz="1100" dirty="0">
+                <a:solidFill>
+                  <a:schemeClr val="bg1"/>
+                </a:solidFill>
+                <a:latin typeface="Helvetica Neue"/>
+              </a:rPr>
+              <a:t>Christian Geuer-Pollmann</a:t>
+            </a:r>
+            <a:endParaRPr lang="de-DE" sz="1100" b="0" i="0" dirty="0">
+              <a:solidFill>
+                <a:schemeClr val="bg1"/>
+              </a:solidFill>
+              <a:effectLst/>
+              <a:latin typeface="Helvetica Neue"/>
+            </a:endParaRPr>
+          </a:p>
+        </p:txBody>
+      </p:sp>
     </p:spTree>
     <p:extLst>
       <p:ext uri="{BB962C8B-B14F-4D97-AF65-F5344CB8AC3E}">
